--- a/Presentation Ayush.pptx
+++ b/Presentation Ayush.pptx
@@ -5,17 +5,19 @@
     <p:sldMasterId id="2147483648" r:id="rId1"/>
   </p:sldMasterIdLst>
   <p:notesMasterIdLst>
-    <p:notesMasterId r:id="rId10"/>
+    <p:notesMasterId r:id="rId12"/>
   </p:notesMasterIdLst>
   <p:sldIdLst>
     <p:sldId id="256" r:id="rId2"/>
     <p:sldId id="257" r:id="rId3"/>
     <p:sldId id="260" r:id="rId4"/>
-    <p:sldId id="261" r:id="rId5"/>
-    <p:sldId id="262" r:id="rId6"/>
-    <p:sldId id="265" r:id="rId7"/>
-    <p:sldId id="266" r:id="rId8"/>
-    <p:sldId id="264" r:id="rId9"/>
+    <p:sldId id="267" r:id="rId5"/>
+    <p:sldId id="268" r:id="rId6"/>
+    <p:sldId id="269" r:id="rId7"/>
+    <p:sldId id="262" r:id="rId8"/>
+    <p:sldId id="265" r:id="rId9"/>
+    <p:sldId id="266" r:id="rId10"/>
+    <p:sldId id="264" r:id="rId11"/>
   </p:sldIdLst>
   <p:sldSz cx="9144000" cy="6858000" type="screen4x3"/>
   <p:notesSz cx="6858000" cy="9144000"/>
@@ -3507,6 +3509,16 @@
                 </a:solidFill>
               </a:rPr>
             </a:br>
+            <a:r>
+              <a:rPr lang="en-IN" b="1" dirty="0">
+                <a:solidFill>
+                  <a:schemeClr val="accent1">
+                    <a:lumMod val="75000"/>
+                  </a:schemeClr>
+                </a:solidFill>
+              </a:rPr>
+              <a:t/>
+            </a:r>
             <a:br>
               <a:rPr lang="en-IN" b="1" dirty="0">
                 <a:solidFill>
@@ -3548,29 +3560,104 @@
           </a:p>
         </p:txBody>
       </p:sp>
-      <p:sp>
-        <p:nvSpPr>
-          <p:cNvPr id="3" name="Subtitle 2"/>
-          <p:cNvSpPr>
-            <a:spLocks noGrp="1"/>
-          </p:cNvSpPr>
-          <p:nvPr>
-            <p:ph type="subTitle" idx="1"/>
-          </p:nvPr>
-        </p:nvSpPr>
-        <p:spPr/>
-        <p:txBody>
-          <a:bodyPr/>
-          <a:lstStyle/>
-          <a:p>
-            <a:endParaRPr lang="en-IN"/>
-          </a:p>
-        </p:txBody>
-      </p:sp>
     </p:spTree>
     <p:extLst>
       <p:ext uri="{BB962C8B-B14F-4D97-AF65-F5344CB8AC3E}">
         <p14:creationId xmlns:p14="http://schemas.microsoft.com/office/powerpoint/2010/main" val="4126595749"/>
+      </p:ext>
+    </p:extLst>
+  </p:cSld>
+  <p:clrMapOvr>
+    <a:masterClrMapping/>
+  </p:clrMapOvr>
+</p:sld>
+</file>
+
+<file path=ppt/slides/slide10.xml><?xml version="1.0" encoding="utf-8"?>
+<p:sld xmlns:a="http://schemas.openxmlformats.org/drawingml/2006/main" xmlns:r="http://schemas.openxmlformats.org/officeDocument/2006/relationships" xmlns:p="http://schemas.openxmlformats.org/presentationml/2006/main">
+  <p:cSld>
+    <p:spTree>
+      <p:nvGrpSpPr>
+        <p:cNvPr id="1" name=""/>
+        <p:cNvGrpSpPr/>
+        <p:nvPr/>
+      </p:nvGrpSpPr>
+      <p:grpSpPr>
+        <a:xfrm>
+          <a:off x="0" y="0"/>
+          <a:ext cx="0" cy="0"/>
+          <a:chOff x="0" y="0"/>
+          <a:chExt cx="0" cy="0"/>
+        </a:xfrm>
+      </p:grpSpPr>
+      <p:sp>
+        <p:nvSpPr>
+          <p:cNvPr id="2" name="Title 1"/>
+          <p:cNvSpPr>
+            <a:spLocks noGrp="1"/>
+          </p:cNvSpPr>
+          <p:nvPr>
+            <p:ph type="title"/>
+          </p:nvPr>
+        </p:nvSpPr>
+        <p:spPr/>
+        <p:txBody>
+          <a:bodyPr/>
+          <a:lstStyle/>
+          <a:p>
+            <a:endParaRPr lang="en-IN"/>
+          </a:p>
+        </p:txBody>
+      </p:sp>
+      <p:sp>
+        <p:nvSpPr>
+          <p:cNvPr id="3" name="Content Placeholder 2"/>
+          <p:cNvSpPr>
+            <a:spLocks noGrp="1"/>
+          </p:cNvSpPr>
+          <p:nvPr>
+            <p:ph idx="1"/>
+          </p:nvPr>
+        </p:nvSpPr>
+        <p:spPr/>
+        <p:txBody>
+          <a:bodyPr>
+            <a:normAutofit/>
+          </a:bodyPr>
+          <a:lstStyle/>
+          <a:p>
+            <a:pPr marL="0" indent="0" algn="ctr">
+              <a:buNone/>
+            </a:pPr>
+            <a:endParaRPr lang="en-IN" sz="4000" dirty="0">
+              <a:solidFill>
+                <a:schemeClr val="accent1">
+                  <a:lumMod val="75000"/>
+                </a:schemeClr>
+              </a:solidFill>
+            </a:endParaRPr>
+          </a:p>
+          <a:p>
+            <a:pPr marL="0" indent="0" algn="ctr">
+              <a:buNone/>
+            </a:pPr>
+            <a:r>
+              <a:rPr lang="en-IN" sz="4000" b="1" dirty="0">
+                <a:solidFill>
+                  <a:schemeClr val="accent1">
+                    <a:lumMod val="75000"/>
+                  </a:schemeClr>
+                </a:solidFill>
+              </a:rPr>
+              <a:t>THANK YOU</a:t>
+            </a:r>
+          </a:p>
+        </p:txBody>
+      </p:sp>
+    </p:spTree>
+    <p:extLst>
+      <p:ext uri="{BB962C8B-B14F-4D97-AF65-F5344CB8AC3E}">
+        <p14:creationId xmlns:p14="http://schemas.microsoft.com/office/powerpoint/2010/main" val="1983971495"/>
       </p:ext>
     </p:extLst>
   </p:cSld>
@@ -3932,142 +4019,37 @@
             <p:ph type="title"/>
           </p:nvPr>
         </p:nvSpPr>
-        <p:spPr>
-          <a:xfrm>
-            <a:off x="457200" y="0"/>
-            <a:ext cx="8229600" cy="908720"/>
-          </a:xfrm>
-        </p:spPr>
-        <p:txBody>
-          <a:bodyPr/>
-          <a:lstStyle/>
-          <a:p>
-            <a:r>
-              <a:rPr lang="en-IN" b="1" dirty="0">
-                <a:solidFill>
-                  <a:schemeClr val="accent1">
-                    <a:lumMod val="75000"/>
-                  </a:schemeClr>
-                </a:solidFill>
-              </a:rPr>
-              <a:t>CLASS DIAGRAM</a:t>
-            </a:r>
+        <p:spPr/>
+        <p:txBody>
+          <a:bodyPr/>
+          <a:lstStyle/>
+          <a:p>
+            <a:r>
+              <a:rPr lang="en-US" dirty="0" smtClean="0"/>
+              <a:t>Class Diagram</a:t>
+            </a:r>
+            <a:endParaRPr lang="en-IN" dirty="0"/>
           </a:p>
         </p:txBody>
       </p:sp>
       <p:pic>
         <p:nvPicPr>
-          <p:cNvPr id="1032" name="Picture 8">
-            <a:extLst>
-              <a:ext uri="{FF2B5EF4-FFF2-40B4-BE49-F238E27FC236}">
-                <a16:creationId xmlns:a16="http://schemas.microsoft.com/office/drawing/2014/main" id="{E1E3EEC3-0DC3-462B-863D-3BA02D906DC3}"/>
-              </a:ext>
-            </a:extLst>
-          </p:cNvPr>
-          <p:cNvPicPr>
-            <a:picLocks noChangeAspect="1" noChangeArrowheads="1"/>
-          </p:cNvPicPr>
-          <p:nvPr/>
-        </p:nvPicPr>
-        <p:blipFill>
-          <a:blip r:embed="rId2">
-            <a:extLst>
-              <a:ext uri="{28A0092B-C50C-407E-A947-70E740481C1C}">
-                <a14:useLocalDpi xmlns:a14="http://schemas.microsoft.com/office/drawing/2010/main" val="0"/>
-              </a:ext>
-            </a:extLst>
-          </a:blip>
-          <a:srcRect/>
-          <a:stretch>
-            <a:fillRect/>
-          </a:stretch>
-        </p:blipFill>
-        <p:spPr bwMode="auto">
-          <a:xfrm>
-            <a:off x="-36512" y="1149490"/>
-            <a:ext cx="2915816" cy="2304256"/>
-          </a:xfrm>
-          <a:prstGeom prst="rect">
-            <a:avLst/>
-          </a:prstGeom>
-          <a:noFill/>
-          <a:extLst>
-            <a:ext uri="{909E8E84-426E-40DD-AFC4-6F175D3DCCD1}">
-              <a14:hiddenFill xmlns:a14="http://schemas.microsoft.com/office/drawing/2010/main">
-                <a:solidFill>
-                  <a:srgbClr val="FFFFFF"/>
-                </a:solidFill>
-              </a14:hiddenFill>
-            </a:ext>
-          </a:extLst>
-        </p:spPr>
-      </p:pic>
-      <p:pic>
-        <p:nvPicPr>
-          <p:cNvPr id="12" name="Picture 11">
-            <a:extLst>
-              <a:ext uri="{FF2B5EF4-FFF2-40B4-BE49-F238E27FC236}">
-                <a16:creationId xmlns:a16="http://schemas.microsoft.com/office/drawing/2014/main" id="{A12843F1-34CB-4BAD-9FD1-07E20EB5D191}"/>
-              </a:ext>
-            </a:extLst>
-          </p:cNvPr>
+          <p:cNvPr id="4" name="Picture 3"/>
           <p:cNvPicPr>
             <a:picLocks noChangeAspect="1"/>
           </p:cNvPicPr>
           <p:nvPr/>
         </p:nvPicPr>
         <p:blipFill>
-          <a:blip r:embed="rId3">
-            <a:extLst>
-              <a:ext uri="{28A0092B-C50C-407E-A947-70E740481C1C}">
-                <a14:useLocalDpi xmlns:a14="http://schemas.microsoft.com/office/drawing/2010/main" val="0"/>
-              </a:ext>
-            </a:extLst>
-          </a:blip>
+          <a:blip r:embed="rId2"/>
           <a:stretch>
             <a:fillRect/>
           </a:stretch>
         </p:blipFill>
         <p:spPr>
           <a:xfrm>
-            <a:off x="2630219" y="1340768"/>
-            <a:ext cx="3309933" cy="2736304"/>
-          </a:xfrm>
-          <a:prstGeom prst="rect">
-            <a:avLst/>
-          </a:prstGeom>
-        </p:spPr>
-      </p:pic>
-      <p:pic>
-        <p:nvPicPr>
-          <p:cNvPr id="14" name="Picture 13">
-            <a:extLst>
-              <a:ext uri="{FF2B5EF4-FFF2-40B4-BE49-F238E27FC236}">
-                <a16:creationId xmlns:a16="http://schemas.microsoft.com/office/drawing/2014/main" id="{3B121977-26FD-4686-AF28-99A478E29E60}"/>
-              </a:ext>
-            </a:extLst>
-          </p:cNvPr>
-          <p:cNvPicPr>
-            <a:picLocks noChangeAspect="1"/>
-          </p:cNvPicPr>
-          <p:nvPr/>
-        </p:nvPicPr>
-        <p:blipFill>
-          <a:blip r:embed="rId4">
-            <a:extLst>
-              <a:ext uri="{28A0092B-C50C-407E-A947-70E740481C1C}">
-                <a14:useLocalDpi xmlns:a14="http://schemas.microsoft.com/office/drawing/2010/main" val="0"/>
-              </a:ext>
-            </a:extLst>
-          </a:blip>
-          <a:stretch>
-            <a:fillRect/>
-          </a:stretch>
-        </p:blipFill>
-        <p:spPr>
-          <a:xfrm>
-            <a:off x="5959625" y="1260994"/>
-            <a:ext cx="3203848" cy="2895851"/>
+            <a:off x="2483768" y="2060848"/>
+            <a:ext cx="4731365" cy="3672408"/>
           </a:xfrm>
           <a:prstGeom prst="rect">
             <a:avLst/>
@@ -4077,7 +4059,7 @@
     </p:spTree>
     <p:extLst>
       <p:ext uri="{BB962C8B-B14F-4D97-AF65-F5344CB8AC3E}">
-        <p14:creationId xmlns:p14="http://schemas.microsoft.com/office/powerpoint/2010/main" val="1974900460"/>
+        <p14:creationId xmlns:p14="http://schemas.microsoft.com/office/powerpoint/2010/main" val="3366457266"/>
       </p:ext>
     </p:extLst>
   </p:cSld>
@@ -4114,139 +4096,47 @@
             <p:ph type="title"/>
           </p:nvPr>
         </p:nvSpPr>
-        <p:spPr>
-          <a:xfrm>
-            <a:off x="457200" y="0"/>
-            <a:ext cx="8229600" cy="980728"/>
-          </a:xfrm>
-        </p:spPr>
-        <p:txBody>
-          <a:bodyPr/>
-          <a:lstStyle/>
-          <a:p>
-            <a:r>
-              <a:rPr lang="en-IN" b="1" dirty="0">
-                <a:solidFill>
-                  <a:schemeClr val="accent1">
-                    <a:lumMod val="75000"/>
-                  </a:schemeClr>
-                </a:solidFill>
-              </a:rPr>
-              <a:t>SEQUENCE DIAGRAM</a:t>
-            </a:r>
+        <p:spPr/>
+        <p:txBody>
+          <a:bodyPr/>
+          <a:lstStyle/>
+          <a:p>
+            <a:r>
+              <a:rPr lang="en-US" dirty="0" smtClean="0"/>
+              <a:t>Class Diagram contd..</a:t>
+            </a:r>
+            <a:endParaRPr lang="en-IN" dirty="0"/>
           </a:p>
         </p:txBody>
       </p:sp>
       <p:pic>
         <p:nvPicPr>
-          <p:cNvPr id="7" name="Content Placeholder 6">
-            <a:extLst>
-              <a:ext uri="{FF2B5EF4-FFF2-40B4-BE49-F238E27FC236}">
-                <a16:creationId xmlns:a16="http://schemas.microsoft.com/office/drawing/2014/main" id="{AC70680A-69C5-4A70-8659-AE690FEF691A}"/>
-              </a:ext>
-            </a:extLst>
-          </p:cNvPr>
+          <p:cNvPr id="4" name="Picture 3"/>
           <p:cNvPicPr>
-            <a:picLocks noGrp="1" noChangeAspect="1"/>
+            <a:picLocks noChangeAspect="1"/>
           </p:cNvPicPr>
-          <p:nvPr>
-            <p:ph idx="1"/>
-          </p:nvPr>
+          <p:nvPr/>
         </p:nvPicPr>
         <p:blipFill>
-          <a:blip r:embed="rId2">
-            <a:extLst>
-              <a:ext uri="{28A0092B-C50C-407E-A947-70E740481C1C}">
-                <a14:useLocalDpi xmlns:a14="http://schemas.microsoft.com/office/drawing/2010/main" val="0"/>
-              </a:ext>
-            </a:extLst>
-          </a:blip>
+          <a:blip r:embed="rId2"/>
           <a:stretch>
             <a:fillRect/>
           </a:stretch>
         </p:blipFill>
         <p:spPr>
           <a:xfrm>
-            <a:off x="-324544" y="764704"/>
-            <a:ext cx="12529391" cy="4680520"/>
-          </a:xfrm>
-        </p:spPr>
-      </p:pic>
-      <p:sp>
-        <p:nvSpPr>
-          <p:cNvPr id="8" name="Rectangle 7">
-            <a:extLst>
-              <a:ext uri="{FF2B5EF4-FFF2-40B4-BE49-F238E27FC236}">
-                <a16:creationId xmlns:a16="http://schemas.microsoft.com/office/drawing/2014/main" id="{47F65A11-B943-49B1-941A-00BB475F43C4}"/>
-              </a:ext>
-            </a:extLst>
-          </p:cNvPr>
-          <p:cNvSpPr/>
-          <p:nvPr/>
-        </p:nvSpPr>
-        <p:spPr>
-          <a:xfrm>
-            <a:off x="457200" y="5445224"/>
-            <a:ext cx="8229600" cy="1080120"/>
+            <a:off x="1678566" y="1628800"/>
+            <a:ext cx="5786868" cy="4805866"/>
           </a:xfrm>
           <a:prstGeom prst="rect">
             <a:avLst/>
           </a:prstGeom>
         </p:spPr>
-        <p:style>
-          <a:lnRef idx="2">
-            <a:schemeClr val="accent1"/>
-          </a:lnRef>
-          <a:fillRef idx="1">
-            <a:schemeClr val="lt1"/>
-          </a:fillRef>
-          <a:effectRef idx="0">
-            <a:schemeClr val="accent1"/>
-          </a:effectRef>
-          <a:fontRef idx="minor">
-            <a:schemeClr val="dk1"/>
-          </a:fontRef>
-        </p:style>
-        <p:txBody>
-          <a:bodyPr rtlCol="0" anchor="ctr"/>
-          <a:lstStyle/>
-          <a:p>
-            <a:r>
-              <a:rPr lang="en-US" dirty="0">
-                <a:solidFill>
-                  <a:schemeClr val="accent1">
-                    <a:lumMod val="75000"/>
-                  </a:schemeClr>
-                </a:solidFill>
-              </a:rPr>
-              <a:t>a) ​As a bank employee I want to be able to Update Passbook or print Transactions so that: </a:t>
-            </a:r>
-          </a:p>
-          <a:p>
-            <a:pPr marL="457200" indent="-457200">
-              <a:buAutoNum type="arabicParenR"/>
-            </a:pPr>
-            <a:r>
-              <a:rPr lang="en-US" dirty="0">
-                <a:solidFill>
-                  <a:schemeClr val="accent1">
-                    <a:lumMod val="75000"/>
-                  </a:schemeClr>
-                </a:solidFill>
-              </a:rPr>
-              <a:t>All transactions are printed correctly, in chronological order. </a:t>
-            </a:r>
-          </a:p>
-          <a:p>
-            <a:pPr algn="ctr"/>
-            <a:endParaRPr lang="en-IN" dirty="0"/>
-          </a:p>
-        </p:txBody>
-      </p:sp>
+      </p:pic>
     </p:spTree>
     <p:extLst>
       <p:ext uri="{BB962C8B-B14F-4D97-AF65-F5344CB8AC3E}">
-        <p14:creationId xmlns:p14="http://schemas.microsoft.com/office/powerpoint/2010/main" val="314042169"/>
+        <p14:creationId xmlns:p14="http://schemas.microsoft.com/office/powerpoint/2010/main" val="1103870051"/>
       </p:ext>
     </p:extLst>
   </p:cSld>
@@ -4273,21 +4163,50 @@
           <a:chExt cx="0" cy="0"/>
         </a:xfrm>
       </p:grpSpPr>
+      <p:sp>
+        <p:nvSpPr>
+          <p:cNvPr id="2" name="Title 1"/>
+          <p:cNvSpPr>
+            <a:spLocks noGrp="1"/>
+          </p:cNvSpPr>
+          <p:nvPr>
+            <p:ph type="title"/>
+          </p:nvPr>
+        </p:nvSpPr>
+        <p:spPr/>
+        <p:txBody>
+          <a:bodyPr/>
+          <a:lstStyle/>
+          <a:p>
+            <a:r>
+              <a:rPr lang="en-US" dirty="0" smtClean="0"/>
+              <a:t>Class Diagram </a:t>
+            </a:r>
+            <a:r>
+              <a:rPr lang="en-US" dirty="0" err="1" smtClean="0"/>
+              <a:t>contd</a:t>
+            </a:r>
+            <a:r>
+              <a:rPr lang="en-US" dirty="0" smtClean="0"/>
+              <a:t>….</a:t>
+            </a:r>
+            <a:endParaRPr lang="en-IN" dirty="0"/>
+          </a:p>
+        </p:txBody>
+      </p:sp>
       <p:pic>
         <p:nvPicPr>
-          <p:cNvPr id="7" name="Content Placeholder 6">
+          <p:cNvPr id="4" name="Picture 3">
             <a:extLst>
               <a:ext uri="{FF2B5EF4-FFF2-40B4-BE49-F238E27FC236}">
-                <a16:creationId xmlns:a16="http://schemas.microsoft.com/office/drawing/2014/main" id="{AF1B8F09-607F-4722-BAB2-874CB405F238}"/>
+                <a16:creationId xmlns:a16="http://schemas.microsoft.com/office/drawing/2014/main" xmlns="" id="{3B121977-26FD-4686-AF28-99A478E29E60}"/>
               </a:ext>
             </a:extLst>
           </p:cNvPr>
           <p:cNvPicPr>
-            <a:picLocks noGrp="1" noChangeAspect="1"/>
+            <a:picLocks noChangeAspect="1"/>
           </p:cNvPicPr>
-          <p:nvPr>
-            <p:ph idx="1"/>
-          </p:nvPr>
+          <p:nvPr/>
         </p:nvPicPr>
         <p:blipFill>
           <a:blip r:embed="rId2">
@@ -4303,132 +4222,18 @@
         </p:blipFill>
         <p:spPr>
           <a:xfrm>
-            <a:off x="-972616" y="359630"/>
-            <a:ext cx="13753528" cy="4869570"/>
-          </a:xfrm>
-        </p:spPr>
-      </p:pic>
-      <p:sp>
-        <p:nvSpPr>
-          <p:cNvPr id="4" name="Rectangle 3">
-            <a:extLst>
-              <a:ext uri="{FF2B5EF4-FFF2-40B4-BE49-F238E27FC236}">
-                <a16:creationId xmlns:a16="http://schemas.microsoft.com/office/drawing/2014/main" id="{A51C8FA2-B560-4F4D-9301-191B2CB50D0B}"/>
-              </a:ext>
-            </a:extLst>
-          </p:cNvPr>
-          <p:cNvSpPr/>
-          <p:nvPr/>
-        </p:nvSpPr>
-        <p:spPr>
-          <a:xfrm>
-            <a:off x="374440" y="5229200"/>
-            <a:ext cx="8229600" cy="1224136"/>
+            <a:off x="1368151" y="1556792"/>
+            <a:ext cx="5656331" cy="5112568"/>
           </a:xfrm>
           <a:prstGeom prst="rect">
             <a:avLst/>
           </a:prstGeom>
         </p:spPr>
-        <p:style>
-          <a:lnRef idx="2">
-            <a:schemeClr val="accent1">
-              <a:shade val="50000"/>
-            </a:schemeClr>
-          </a:lnRef>
-          <a:fillRef idx="1">
-            <a:schemeClr val="accent1"/>
-          </a:fillRef>
-          <a:effectRef idx="0">
-            <a:schemeClr val="accent1"/>
-          </a:effectRef>
-          <a:fontRef idx="minor">
-            <a:schemeClr val="lt1"/>
-          </a:fontRef>
-        </p:style>
-        <p:txBody>
-          <a:bodyPr rtlCol="0" anchor="ctr"/>
-          <a:lstStyle/>
-          <a:p>
-            <a:pPr algn="ctr"/>
-            <a:endParaRPr lang="en-IN"/>
-          </a:p>
-        </p:txBody>
-      </p:sp>
-      <p:sp>
-        <p:nvSpPr>
-          <p:cNvPr id="5" name="Rectangle 4">
-            <a:extLst>
-              <a:ext uri="{FF2B5EF4-FFF2-40B4-BE49-F238E27FC236}">
-                <a16:creationId xmlns:a16="http://schemas.microsoft.com/office/drawing/2014/main" id="{4CD51FF1-81B1-4991-BD64-40CF443DC8D6}"/>
-              </a:ext>
-            </a:extLst>
-          </p:cNvPr>
-          <p:cNvSpPr/>
-          <p:nvPr/>
-        </p:nvSpPr>
-        <p:spPr>
-          <a:xfrm>
-            <a:off x="374440" y="5229200"/>
-            <a:ext cx="8229600" cy="1224136"/>
-          </a:xfrm>
-          <a:prstGeom prst="rect">
-            <a:avLst/>
-          </a:prstGeom>
-        </p:spPr>
-        <p:style>
-          <a:lnRef idx="2">
-            <a:schemeClr val="accent1"/>
-          </a:lnRef>
-          <a:fillRef idx="1">
-            <a:schemeClr val="lt1"/>
-          </a:fillRef>
-          <a:effectRef idx="0">
-            <a:schemeClr val="accent1"/>
-          </a:effectRef>
-          <a:fontRef idx="minor">
-            <a:schemeClr val="dk1"/>
-          </a:fontRef>
-        </p:style>
-        <p:txBody>
-          <a:bodyPr rtlCol="0" anchor="ctr"/>
-          <a:lstStyle/>
-          <a:p>
-            <a:r>
-              <a:rPr lang="en-US" dirty="0">
-                <a:solidFill>
-                  <a:schemeClr val="accent1">
-                    <a:lumMod val="75000"/>
-                  </a:schemeClr>
-                </a:solidFill>
-              </a:rPr>
-              <a:t>b)​As a bank employee I want to be able to Issue new Passbook, so that: </a:t>
-            </a:r>
-          </a:p>
-          <a:p>
-            <a:pPr marL="457200" indent="-457200">
-              <a:buAutoNum type="arabicParenR"/>
-            </a:pPr>
-            <a:r>
-              <a:rPr lang="en-US" dirty="0">
-                <a:solidFill>
-                  <a:schemeClr val="accent1">
-                    <a:lumMod val="75000"/>
-                  </a:schemeClr>
-                </a:solidFill>
-              </a:rPr>
-              <a:t>There is, at max, 10 mins delay.</a:t>
-            </a:r>
-          </a:p>
-          <a:p>
-            <a:pPr algn="ctr"/>
-            <a:endParaRPr lang="en-IN" dirty="0"/>
-          </a:p>
-        </p:txBody>
-      </p:sp>
+      </p:pic>
     </p:spTree>
     <p:extLst>
       <p:ext uri="{BB962C8B-B14F-4D97-AF65-F5344CB8AC3E}">
-        <p14:creationId xmlns:p14="http://schemas.microsoft.com/office/powerpoint/2010/main" val="2730281748"/>
+        <p14:creationId xmlns:p14="http://schemas.microsoft.com/office/powerpoint/2010/main" val="139496157"/>
       </p:ext>
     </p:extLst>
   </p:cSld>
@@ -4455,12 +4260,45 @@
           <a:chExt cx="0" cy="0"/>
         </a:xfrm>
       </p:grpSpPr>
+      <p:sp>
+        <p:nvSpPr>
+          <p:cNvPr id="2" name="Title 1"/>
+          <p:cNvSpPr>
+            <a:spLocks noGrp="1"/>
+          </p:cNvSpPr>
+          <p:nvPr>
+            <p:ph type="title"/>
+          </p:nvPr>
+        </p:nvSpPr>
+        <p:spPr>
+          <a:xfrm>
+            <a:off x="457200" y="0"/>
+            <a:ext cx="8229600" cy="980728"/>
+          </a:xfrm>
+        </p:spPr>
+        <p:txBody>
+          <a:bodyPr/>
+          <a:lstStyle/>
+          <a:p>
+            <a:r>
+              <a:rPr lang="en-IN" b="1" dirty="0">
+                <a:solidFill>
+                  <a:schemeClr val="accent1">
+                    <a:lumMod val="75000"/>
+                  </a:schemeClr>
+                </a:solidFill>
+              </a:rPr>
+              <a:t>SEQUENCE DIAGRAM</a:t>
+            </a:r>
+          </a:p>
+        </p:txBody>
+      </p:sp>
       <p:pic>
         <p:nvPicPr>
-          <p:cNvPr id="6" name="Content Placeholder 5">
+          <p:cNvPr id="7" name="Content Placeholder 6">
             <a:extLst>
               <a:ext uri="{FF2B5EF4-FFF2-40B4-BE49-F238E27FC236}">
-                <a16:creationId xmlns:a16="http://schemas.microsoft.com/office/drawing/2014/main" id="{17853DB9-3350-4538-AFAB-25448877D004}"/>
+                <a16:creationId xmlns:a16="http://schemas.microsoft.com/office/drawing/2014/main" xmlns="" id="{AC70680A-69C5-4A70-8659-AE690FEF691A}"/>
               </a:ext>
             </a:extLst>
           </p:cNvPr>
@@ -4485,17 +4323,17 @@
         </p:blipFill>
         <p:spPr>
           <a:xfrm>
-            <a:off x="-180528" y="259677"/>
-            <a:ext cx="15553728" cy="5248225"/>
+            <a:off x="-324544" y="764704"/>
+            <a:ext cx="12529391" cy="4680520"/>
           </a:xfrm>
         </p:spPr>
       </p:pic>
       <p:sp>
         <p:nvSpPr>
-          <p:cNvPr id="4" name="Rectangle 3">
+          <p:cNvPr id="8" name="Rectangle 7">
             <a:extLst>
               <a:ext uri="{FF2B5EF4-FFF2-40B4-BE49-F238E27FC236}">
-                <a16:creationId xmlns:a16="http://schemas.microsoft.com/office/drawing/2014/main" id="{18EBBE87-C5CC-4723-A30A-28C5CF3A8341}"/>
+                <a16:creationId xmlns:a16="http://schemas.microsoft.com/office/drawing/2014/main" xmlns="" id="{47F65A11-B943-49B1-941A-00BB475F43C4}"/>
               </a:ext>
             </a:extLst>
           </p:cNvPr>
@@ -4504,8 +4342,8 @@
         </p:nvSpPr>
         <p:spPr>
           <a:xfrm>
-            <a:off x="467544" y="5229200"/>
-            <a:ext cx="8280920" cy="1296144"/>
+            <a:off x="457200" y="5445224"/>
+            <a:ext cx="8229600" cy="1080120"/>
           </a:xfrm>
           <a:prstGeom prst="rect">
             <a:avLst/>
@@ -4530,41 +4368,41 @@
           <a:lstStyle/>
           <a:p>
             <a:r>
-              <a:rPr lang="en-US">
+              <a:rPr lang="en-US" dirty="0">
                 <a:solidFill>
                   <a:schemeClr val="accent1">
                     <a:lumMod val="75000"/>
                   </a:schemeClr>
                 </a:solidFill>
               </a:rPr>
-              <a:t>c)​As a bank employee I want to be able to Print/Email Account Summary, so that: </a:t>
-            </a:r>
-          </a:p>
-          <a:p>
-            <a:r>
-              <a:rPr lang="en-US">
+              <a:t>a) ​As a bank employee I want to be able to Update Passbook or print Transactions so that: </a:t>
+            </a:r>
+          </a:p>
+          <a:p>
+            <a:pPr marL="457200" indent="-457200">
+              <a:buAutoNum type="arabicParenR"/>
+            </a:pPr>
+            <a:r>
+              <a:rPr lang="en-US" dirty="0">
                 <a:solidFill>
                   <a:schemeClr val="accent1">
                     <a:lumMod val="75000"/>
                   </a:schemeClr>
                 </a:solidFill>
               </a:rPr>
-              <a:t>1) All transactions are printed briefly, correctly and in chronological order.  </a:t>
-            </a:r>
-            <a:endParaRPr lang="en-IN" dirty="0">
-              <a:solidFill>
-                <a:schemeClr val="accent1">
-                  <a:lumMod val="75000"/>
-                </a:schemeClr>
-              </a:solidFill>
-            </a:endParaRPr>
+              <a:t>All transactions are printed correctly, in chronological order. </a:t>
+            </a:r>
+          </a:p>
+          <a:p>
+            <a:pPr algn="ctr"/>
+            <a:endParaRPr lang="en-IN" dirty="0"/>
           </a:p>
         </p:txBody>
       </p:sp>
     </p:spTree>
     <p:extLst>
       <p:ext uri="{BB962C8B-B14F-4D97-AF65-F5344CB8AC3E}">
-        <p14:creationId xmlns:p14="http://schemas.microsoft.com/office/powerpoint/2010/main" val="382059689"/>
+        <p14:creationId xmlns:p14="http://schemas.microsoft.com/office/powerpoint/2010/main" val="314042169"/>
       </p:ext>
     </p:extLst>
   </p:cSld>
@@ -4591,46 +4429,285 @@
           <a:chExt cx="0" cy="0"/>
         </a:xfrm>
       </p:grpSpPr>
-      <p:sp>
-        <p:nvSpPr>
-          <p:cNvPr id="2" name="Title 1"/>
-          <p:cNvSpPr>
-            <a:spLocks noGrp="1"/>
-          </p:cNvSpPr>
-          <p:nvPr>
-            <p:ph type="title"/>
-          </p:nvPr>
-        </p:nvSpPr>
-        <p:spPr/>
-        <p:txBody>
-          <a:bodyPr/>
-          <a:lstStyle/>
-          <a:p>
-            <a:endParaRPr lang="en-IN"/>
-          </a:p>
-        </p:txBody>
-      </p:sp>
-      <p:sp>
-        <p:nvSpPr>
-          <p:cNvPr id="3" name="Content Placeholder 2"/>
-          <p:cNvSpPr>
-            <a:spLocks noGrp="1"/>
-          </p:cNvSpPr>
+      <p:pic>
+        <p:nvPicPr>
+          <p:cNvPr id="7" name="Content Placeholder 6">
+            <a:extLst>
+              <a:ext uri="{FF2B5EF4-FFF2-40B4-BE49-F238E27FC236}">
+                <a16:creationId xmlns:a16="http://schemas.microsoft.com/office/drawing/2014/main" xmlns="" id="{AF1B8F09-607F-4722-BAB2-874CB405F238}"/>
+              </a:ext>
+            </a:extLst>
+          </p:cNvPr>
+          <p:cNvPicPr>
+            <a:picLocks noGrp="1" noChangeAspect="1"/>
+          </p:cNvPicPr>
           <p:nvPr>
             <p:ph idx="1"/>
           </p:nvPr>
-        </p:nvSpPr>
-        <p:spPr/>
-        <p:txBody>
-          <a:bodyPr>
-            <a:normAutofit/>
-          </a:bodyPr>
-          <a:lstStyle/>
-          <a:p>
-            <a:pPr marL="0" indent="0" algn="ctr">
-              <a:buNone/>
+        </p:nvPicPr>
+        <p:blipFill>
+          <a:blip r:embed="rId2">
+            <a:extLst>
+              <a:ext uri="{28A0092B-C50C-407E-A947-70E740481C1C}">
+                <a14:useLocalDpi xmlns:a14="http://schemas.microsoft.com/office/drawing/2010/main" val="0"/>
+              </a:ext>
+            </a:extLst>
+          </a:blip>
+          <a:stretch>
+            <a:fillRect/>
+          </a:stretch>
+        </p:blipFill>
+        <p:spPr>
+          <a:xfrm>
+            <a:off x="-972616" y="359630"/>
+            <a:ext cx="13753528" cy="4869570"/>
+          </a:xfrm>
+        </p:spPr>
+      </p:pic>
+      <p:sp>
+        <p:nvSpPr>
+          <p:cNvPr id="4" name="Rectangle 3">
+            <a:extLst>
+              <a:ext uri="{FF2B5EF4-FFF2-40B4-BE49-F238E27FC236}">
+                <a16:creationId xmlns:a16="http://schemas.microsoft.com/office/drawing/2014/main" xmlns="" id="{A51C8FA2-B560-4F4D-9301-191B2CB50D0B}"/>
+              </a:ext>
+            </a:extLst>
+          </p:cNvPr>
+          <p:cNvSpPr/>
+          <p:nvPr/>
+        </p:nvSpPr>
+        <p:spPr>
+          <a:xfrm>
+            <a:off x="374440" y="5229200"/>
+            <a:ext cx="8229600" cy="1224136"/>
+          </a:xfrm>
+          <a:prstGeom prst="rect">
+            <a:avLst/>
+          </a:prstGeom>
+        </p:spPr>
+        <p:style>
+          <a:lnRef idx="2">
+            <a:schemeClr val="accent1">
+              <a:shade val="50000"/>
+            </a:schemeClr>
+          </a:lnRef>
+          <a:fillRef idx="1">
+            <a:schemeClr val="accent1"/>
+          </a:fillRef>
+          <a:effectRef idx="0">
+            <a:schemeClr val="accent1"/>
+          </a:effectRef>
+          <a:fontRef idx="minor">
+            <a:schemeClr val="lt1"/>
+          </a:fontRef>
+        </p:style>
+        <p:txBody>
+          <a:bodyPr rtlCol="0" anchor="ctr"/>
+          <a:lstStyle/>
+          <a:p>
+            <a:pPr algn="ctr"/>
+            <a:endParaRPr lang="en-IN"/>
+          </a:p>
+        </p:txBody>
+      </p:sp>
+      <p:sp>
+        <p:nvSpPr>
+          <p:cNvPr id="5" name="Rectangle 4">
+            <a:extLst>
+              <a:ext uri="{FF2B5EF4-FFF2-40B4-BE49-F238E27FC236}">
+                <a16:creationId xmlns:a16="http://schemas.microsoft.com/office/drawing/2014/main" xmlns="" id="{4CD51FF1-81B1-4991-BD64-40CF443DC8D6}"/>
+              </a:ext>
+            </a:extLst>
+          </p:cNvPr>
+          <p:cNvSpPr/>
+          <p:nvPr/>
+        </p:nvSpPr>
+        <p:spPr>
+          <a:xfrm>
+            <a:off x="374440" y="5229200"/>
+            <a:ext cx="8229600" cy="1224136"/>
+          </a:xfrm>
+          <a:prstGeom prst="rect">
+            <a:avLst/>
+          </a:prstGeom>
+        </p:spPr>
+        <p:style>
+          <a:lnRef idx="2">
+            <a:schemeClr val="accent1"/>
+          </a:lnRef>
+          <a:fillRef idx="1">
+            <a:schemeClr val="lt1"/>
+          </a:fillRef>
+          <a:effectRef idx="0">
+            <a:schemeClr val="accent1"/>
+          </a:effectRef>
+          <a:fontRef idx="minor">
+            <a:schemeClr val="dk1"/>
+          </a:fontRef>
+        </p:style>
+        <p:txBody>
+          <a:bodyPr rtlCol="0" anchor="ctr"/>
+          <a:lstStyle/>
+          <a:p>
+            <a:r>
+              <a:rPr lang="en-US" dirty="0">
+                <a:solidFill>
+                  <a:schemeClr val="accent1">
+                    <a:lumMod val="75000"/>
+                  </a:schemeClr>
+                </a:solidFill>
+              </a:rPr>
+              <a:t>b)​As a bank employee I want to be able to Issue new Passbook, so that: </a:t>
+            </a:r>
+          </a:p>
+          <a:p>
+            <a:pPr marL="457200" indent="-457200">
+              <a:buAutoNum type="arabicParenR"/>
             </a:pPr>
-            <a:endParaRPr lang="en-IN" sz="4000" dirty="0">
+            <a:r>
+              <a:rPr lang="en-US" dirty="0">
+                <a:solidFill>
+                  <a:schemeClr val="accent1">
+                    <a:lumMod val="75000"/>
+                  </a:schemeClr>
+                </a:solidFill>
+              </a:rPr>
+              <a:t>There is, at max, 10 mins delay.</a:t>
+            </a:r>
+          </a:p>
+          <a:p>
+            <a:pPr algn="ctr"/>
+            <a:endParaRPr lang="en-IN" dirty="0"/>
+          </a:p>
+        </p:txBody>
+      </p:sp>
+    </p:spTree>
+    <p:extLst>
+      <p:ext uri="{BB962C8B-B14F-4D97-AF65-F5344CB8AC3E}">
+        <p14:creationId xmlns:p14="http://schemas.microsoft.com/office/powerpoint/2010/main" val="2730281748"/>
+      </p:ext>
+    </p:extLst>
+  </p:cSld>
+  <p:clrMapOvr>
+    <a:masterClrMapping/>
+  </p:clrMapOvr>
+</p:sld>
+</file>
+
+<file path=ppt/slides/slide9.xml><?xml version="1.0" encoding="utf-8"?>
+<p:sld xmlns:a="http://schemas.openxmlformats.org/drawingml/2006/main" xmlns:r="http://schemas.openxmlformats.org/officeDocument/2006/relationships" xmlns:p="http://schemas.openxmlformats.org/presentationml/2006/main">
+  <p:cSld>
+    <p:spTree>
+      <p:nvGrpSpPr>
+        <p:cNvPr id="1" name=""/>
+        <p:cNvGrpSpPr/>
+        <p:nvPr/>
+      </p:nvGrpSpPr>
+      <p:grpSpPr>
+        <a:xfrm>
+          <a:off x="0" y="0"/>
+          <a:ext cx="0" cy="0"/>
+          <a:chOff x="0" y="0"/>
+          <a:chExt cx="0" cy="0"/>
+        </a:xfrm>
+      </p:grpSpPr>
+      <p:pic>
+        <p:nvPicPr>
+          <p:cNvPr id="6" name="Content Placeholder 5">
+            <a:extLst>
+              <a:ext uri="{FF2B5EF4-FFF2-40B4-BE49-F238E27FC236}">
+                <a16:creationId xmlns:a16="http://schemas.microsoft.com/office/drawing/2014/main" xmlns="" id="{17853DB9-3350-4538-AFAB-25448877D004}"/>
+              </a:ext>
+            </a:extLst>
+          </p:cNvPr>
+          <p:cNvPicPr>
+            <a:picLocks noGrp="1" noChangeAspect="1"/>
+          </p:cNvPicPr>
+          <p:nvPr>
+            <p:ph idx="1"/>
+          </p:nvPr>
+        </p:nvPicPr>
+        <p:blipFill>
+          <a:blip r:embed="rId2">
+            <a:extLst>
+              <a:ext uri="{28A0092B-C50C-407E-A947-70E740481C1C}">
+                <a14:useLocalDpi xmlns:a14="http://schemas.microsoft.com/office/drawing/2010/main" val="0"/>
+              </a:ext>
+            </a:extLst>
+          </a:blip>
+          <a:stretch>
+            <a:fillRect/>
+          </a:stretch>
+        </p:blipFill>
+        <p:spPr>
+          <a:xfrm>
+            <a:off x="-180528" y="259677"/>
+            <a:ext cx="15553728" cy="5248225"/>
+          </a:xfrm>
+        </p:spPr>
+      </p:pic>
+      <p:sp>
+        <p:nvSpPr>
+          <p:cNvPr id="4" name="Rectangle 3">
+            <a:extLst>
+              <a:ext uri="{FF2B5EF4-FFF2-40B4-BE49-F238E27FC236}">
+                <a16:creationId xmlns:a16="http://schemas.microsoft.com/office/drawing/2014/main" xmlns="" id="{18EBBE87-C5CC-4723-A30A-28C5CF3A8341}"/>
+              </a:ext>
+            </a:extLst>
+          </p:cNvPr>
+          <p:cNvSpPr/>
+          <p:nvPr/>
+        </p:nvSpPr>
+        <p:spPr>
+          <a:xfrm>
+            <a:off x="467544" y="5229200"/>
+            <a:ext cx="8280920" cy="1296144"/>
+          </a:xfrm>
+          <a:prstGeom prst="rect">
+            <a:avLst/>
+          </a:prstGeom>
+        </p:spPr>
+        <p:style>
+          <a:lnRef idx="2">
+            <a:schemeClr val="accent1"/>
+          </a:lnRef>
+          <a:fillRef idx="1">
+            <a:schemeClr val="lt1"/>
+          </a:fillRef>
+          <a:effectRef idx="0">
+            <a:schemeClr val="accent1"/>
+          </a:effectRef>
+          <a:fontRef idx="minor">
+            <a:schemeClr val="dk1"/>
+          </a:fontRef>
+        </p:style>
+        <p:txBody>
+          <a:bodyPr rtlCol="0" anchor="ctr"/>
+          <a:lstStyle/>
+          <a:p>
+            <a:r>
+              <a:rPr lang="en-US">
+                <a:solidFill>
+                  <a:schemeClr val="accent1">
+                    <a:lumMod val="75000"/>
+                  </a:schemeClr>
+                </a:solidFill>
+              </a:rPr>
+              <a:t>c)​As a bank employee I want to be able to Print/Email Account Summary, so that: </a:t>
+            </a:r>
+          </a:p>
+          <a:p>
+            <a:r>
+              <a:rPr lang="en-US">
+                <a:solidFill>
+                  <a:schemeClr val="accent1">
+                    <a:lumMod val="75000"/>
+                  </a:schemeClr>
+                </a:solidFill>
+              </a:rPr>
+              <a:t>1) All transactions are printed briefly, correctly and in chronological order.  </a:t>
+            </a:r>
+            <a:endParaRPr lang="en-IN" dirty="0">
               <a:solidFill>
                 <a:schemeClr val="accent1">
                   <a:lumMod val="75000"/>
@@ -4638,27 +4715,12 @@
               </a:solidFill>
             </a:endParaRPr>
           </a:p>
-          <a:p>
-            <a:pPr marL="0" indent="0" algn="ctr">
-              <a:buNone/>
-            </a:pPr>
-            <a:r>
-              <a:rPr lang="en-IN" sz="4000" b="1" dirty="0">
-                <a:solidFill>
-                  <a:schemeClr val="accent1">
-                    <a:lumMod val="75000"/>
-                  </a:schemeClr>
-                </a:solidFill>
-              </a:rPr>
-              <a:t>THANK YOU</a:t>
-            </a:r>
-          </a:p>
         </p:txBody>
       </p:sp>
     </p:spTree>
     <p:extLst>
       <p:ext uri="{BB962C8B-B14F-4D97-AF65-F5344CB8AC3E}">
-        <p14:creationId xmlns:p14="http://schemas.microsoft.com/office/powerpoint/2010/main" val="1983971495"/>
+        <p14:creationId xmlns:p14="http://schemas.microsoft.com/office/powerpoint/2010/main" val="382059689"/>
       </p:ext>
     </p:extLst>
   </p:cSld>

--- a/Presentation Ayush.pptx
+++ b/Presentation Ayush.pptx
@@ -3560,6 +3560,78 @@
           </a:p>
         </p:txBody>
       </p:sp>
+      <p:sp>
+        <p:nvSpPr>
+          <p:cNvPr id="3" name="TextBox 2"/>
+          <p:cNvSpPr txBox="1"/>
+          <p:nvPr/>
+        </p:nvSpPr>
+        <p:spPr>
+          <a:xfrm>
+            <a:off x="4427984" y="5517232"/>
+            <a:ext cx="3744416" cy="461665"/>
+          </a:xfrm>
+          <a:prstGeom prst="rect">
+            <a:avLst/>
+          </a:prstGeom>
+          <a:noFill/>
+        </p:spPr>
+        <p:txBody>
+          <a:bodyPr wrap="square" rtlCol="0">
+            <a:spAutoFit/>
+          </a:bodyPr>
+          <a:lstStyle/>
+          <a:p>
+            <a:r>
+              <a:rPr lang="en-US" sz="2400" b="1" dirty="0" smtClean="0">
+                <a:solidFill>
+                  <a:schemeClr val="accent1">
+                    <a:lumMod val="75000"/>
+                  </a:schemeClr>
+                </a:solidFill>
+              </a:rPr>
+              <a:t>Presented By  - </a:t>
+            </a:r>
+            <a:r>
+              <a:rPr lang="en-US" sz="2400" b="1" dirty="0" err="1" smtClean="0">
+                <a:solidFill>
+                  <a:schemeClr val="accent1">
+                    <a:lumMod val="75000"/>
+                  </a:schemeClr>
+                </a:solidFill>
+              </a:rPr>
+              <a:t>Ayush</a:t>
+            </a:r>
+            <a:r>
+              <a:rPr lang="en-US" sz="2400" b="1" dirty="0" smtClean="0">
+                <a:solidFill>
+                  <a:schemeClr val="accent1">
+                    <a:lumMod val="75000"/>
+                  </a:schemeClr>
+                </a:solidFill>
+              </a:rPr>
+              <a:t> </a:t>
+            </a:r>
+            <a:r>
+              <a:rPr lang="en-US" sz="2400" b="1" dirty="0" err="1" smtClean="0">
+                <a:solidFill>
+                  <a:schemeClr val="accent1">
+                    <a:lumMod val="75000"/>
+                  </a:schemeClr>
+                </a:solidFill>
+              </a:rPr>
+              <a:t>Soni</a:t>
+            </a:r>
+            <a:endParaRPr lang="en-IN" sz="2400" b="1" dirty="0">
+              <a:solidFill>
+                <a:schemeClr val="accent1">
+                  <a:lumMod val="75000"/>
+                </a:schemeClr>
+              </a:solidFill>
+            </a:endParaRPr>
+          </a:p>
+        </p:txBody>
+      </p:sp>
     </p:spTree>
     <p:extLst>
       <p:ext uri="{BB962C8B-B14F-4D97-AF65-F5344CB8AC3E}">
@@ -3777,36 +3849,7 @@
           </a:p>
           <a:p>
             <a:r>
-              <a:rPr lang="en-IN" dirty="0">
-                <a:solidFill>
-                  <a:schemeClr val="accent1">
-                    <a:lumMod val="75000"/>
-                  </a:schemeClr>
-                </a:solidFill>
-              </a:rPr>
-              <a:t>Ayush </a:t>
-            </a:r>
-            <a:r>
-              <a:rPr lang="en-IN" dirty="0" err="1">
-                <a:solidFill>
-                  <a:schemeClr val="accent1">
-                    <a:lumMod val="75000"/>
-                  </a:schemeClr>
-                </a:solidFill>
-              </a:rPr>
-              <a:t>Soni</a:t>
-            </a:r>
-            <a:endParaRPr lang="en-IN" dirty="0">
-              <a:solidFill>
-                <a:schemeClr val="accent1">
-                  <a:lumMod val="75000"/>
-                </a:schemeClr>
-              </a:solidFill>
-            </a:endParaRPr>
-          </a:p>
-          <a:p>
-            <a:r>
-              <a:rPr lang="en-IN" dirty="0" err="1">
+              <a:rPr lang="en-IN" dirty="0" err="1" smtClean="0">
                 <a:solidFill>
                   <a:schemeClr val="accent1">
                     <a:lumMod val="75000"/>
@@ -3816,7 +3859,7 @@
               <a:t>Akshay</a:t>
             </a:r>
             <a:r>
-              <a:rPr lang="en-IN" dirty="0">
+              <a:rPr lang="en-IN" dirty="0" smtClean="0">
                 <a:solidFill>
                   <a:schemeClr val="accent1">
                     <a:lumMod val="75000"/>
@@ -4199,7 +4242,7 @@
           <p:cNvPr id="4" name="Picture 3">
             <a:extLst>
               <a:ext uri="{FF2B5EF4-FFF2-40B4-BE49-F238E27FC236}">
-                <a16:creationId xmlns:a16="http://schemas.microsoft.com/office/drawing/2014/main" xmlns="" id="{3B121977-26FD-4686-AF28-99A478E29E60}"/>
+                <a16:creationId xmlns="" xmlns:a16="http://schemas.microsoft.com/office/drawing/2014/main" id="{3B121977-26FD-4686-AF28-99A478E29E60}"/>
               </a:ext>
             </a:extLst>
           </p:cNvPr>
@@ -4298,7 +4341,7 @@
           <p:cNvPr id="7" name="Content Placeholder 6">
             <a:extLst>
               <a:ext uri="{FF2B5EF4-FFF2-40B4-BE49-F238E27FC236}">
-                <a16:creationId xmlns:a16="http://schemas.microsoft.com/office/drawing/2014/main" xmlns="" id="{AC70680A-69C5-4A70-8659-AE690FEF691A}"/>
+                <a16:creationId xmlns="" xmlns:a16="http://schemas.microsoft.com/office/drawing/2014/main" id="{AC70680A-69C5-4A70-8659-AE690FEF691A}"/>
               </a:ext>
             </a:extLst>
           </p:cNvPr>
@@ -4333,7 +4376,7 @@
           <p:cNvPr id="8" name="Rectangle 7">
             <a:extLst>
               <a:ext uri="{FF2B5EF4-FFF2-40B4-BE49-F238E27FC236}">
-                <a16:creationId xmlns:a16="http://schemas.microsoft.com/office/drawing/2014/main" xmlns="" id="{47F65A11-B943-49B1-941A-00BB475F43C4}"/>
+                <a16:creationId xmlns="" xmlns:a16="http://schemas.microsoft.com/office/drawing/2014/main" id="{47F65A11-B943-49B1-941A-00BB475F43C4}"/>
               </a:ext>
             </a:extLst>
           </p:cNvPr>
@@ -4434,7 +4477,7 @@
           <p:cNvPr id="7" name="Content Placeholder 6">
             <a:extLst>
               <a:ext uri="{FF2B5EF4-FFF2-40B4-BE49-F238E27FC236}">
-                <a16:creationId xmlns:a16="http://schemas.microsoft.com/office/drawing/2014/main" xmlns="" id="{AF1B8F09-607F-4722-BAB2-874CB405F238}"/>
+                <a16:creationId xmlns="" xmlns:a16="http://schemas.microsoft.com/office/drawing/2014/main" id="{AF1B8F09-607F-4722-BAB2-874CB405F238}"/>
               </a:ext>
             </a:extLst>
           </p:cNvPr>
@@ -4469,7 +4512,7 @@
           <p:cNvPr id="4" name="Rectangle 3">
             <a:extLst>
               <a:ext uri="{FF2B5EF4-FFF2-40B4-BE49-F238E27FC236}">
-                <a16:creationId xmlns:a16="http://schemas.microsoft.com/office/drawing/2014/main" xmlns="" id="{A51C8FA2-B560-4F4D-9301-191B2CB50D0B}"/>
+                <a16:creationId xmlns="" xmlns:a16="http://schemas.microsoft.com/office/drawing/2014/main" id="{A51C8FA2-B560-4F4D-9301-191B2CB50D0B}"/>
               </a:ext>
             </a:extLst>
           </p:cNvPr>
@@ -4515,7 +4558,7 @@
           <p:cNvPr id="5" name="Rectangle 4">
             <a:extLst>
               <a:ext uri="{FF2B5EF4-FFF2-40B4-BE49-F238E27FC236}">
-                <a16:creationId xmlns:a16="http://schemas.microsoft.com/office/drawing/2014/main" xmlns="" id="{4CD51FF1-81B1-4991-BD64-40CF443DC8D6}"/>
+                <a16:creationId xmlns="" xmlns:a16="http://schemas.microsoft.com/office/drawing/2014/main" id="{4CD51FF1-81B1-4991-BD64-40CF443DC8D6}"/>
               </a:ext>
             </a:extLst>
           </p:cNvPr>
@@ -4616,7 +4659,7 @@
           <p:cNvPr id="6" name="Content Placeholder 5">
             <a:extLst>
               <a:ext uri="{FF2B5EF4-FFF2-40B4-BE49-F238E27FC236}">
-                <a16:creationId xmlns:a16="http://schemas.microsoft.com/office/drawing/2014/main" xmlns="" id="{17853DB9-3350-4538-AFAB-25448877D004}"/>
+                <a16:creationId xmlns="" xmlns:a16="http://schemas.microsoft.com/office/drawing/2014/main" id="{17853DB9-3350-4538-AFAB-25448877D004}"/>
               </a:ext>
             </a:extLst>
           </p:cNvPr>
@@ -4651,7 +4694,7 @@
           <p:cNvPr id="4" name="Rectangle 3">
             <a:extLst>
               <a:ext uri="{FF2B5EF4-FFF2-40B4-BE49-F238E27FC236}">
-                <a16:creationId xmlns:a16="http://schemas.microsoft.com/office/drawing/2014/main" xmlns="" id="{18EBBE87-C5CC-4723-A30A-28C5CF3A8341}"/>
+                <a16:creationId xmlns="" xmlns:a16="http://schemas.microsoft.com/office/drawing/2014/main" id="{18EBBE87-C5CC-4723-A30A-28C5CF3A8341}"/>
               </a:ext>
             </a:extLst>
           </p:cNvPr>

--- a/Presentation Ayush.pptx
+++ b/Presentation Ayush.pptx
@@ -3642,6 +3642,13 @@
   <p:clrMapOvr>
     <a:masterClrMapping/>
   </p:clrMapOvr>
+  <p:timing>
+    <p:tnLst>
+      <p:par>
+        <p:cTn id="1" dur="indefinite" restart="never" nodeType="tmRoot"/>
+      </p:par>
+    </p:tnLst>
+  </p:timing>
 </p:sld>
 </file>
 
@@ -3736,6 +3743,13 @@
   <p:clrMapOvr>
     <a:masterClrMapping/>
   </p:clrMapOvr>
+  <p:timing>
+    <p:tnLst>
+      <p:par>
+        <p:cTn id="1" dur="indefinite" restart="never" nodeType="tmRoot"/>
+      </p:par>
+    </p:tnLst>
+  </p:timing>
 </p:sld>
 </file>
 
@@ -3817,28 +3831,18 @@
               </a:rPr>
               <a:t>Team Members – </a:t>
             </a:r>
-          </a:p>
-          <a:p>
-            <a:r>
-              <a:rPr lang="en-IN" dirty="0">
-                <a:solidFill>
-                  <a:schemeClr val="accent1">
-                    <a:lumMod val="75000"/>
-                  </a:schemeClr>
-                </a:solidFill>
-              </a:rPr>
-              <a:t>Aditya </a:t>
-            </a:r>
-            <a:r>
-              <a:rPr lang="en-IN" dirty="0" err="1">
-                <a:solidFill>
-                  <a:schemeClr val="accent1">
-                    <a:lumMod val="75000"/>
-                  </a:schemeClr>
-                </a:solidFill>
-              </a:rPr>
-              <a:t>Khatavkar</a:t>
-            </a:r>
+            <a:endParaRPr lang="en-IN" dirty="0" smtClean="0">
+              <a:solidFill>
+                <a:schemeClr val="accent1">
+                  <a:lumMod val="75000"/>
+                </a:schemeClr>
+              </a:solidFill>
+            </a:endParaRPr>
+          </a:p>
+          <a:p>
+            <a:pPr marL="0" indent="0">
+              <a:buNone/>
+            </a:pPr>
             <a:endParaRPr lang="en-IN" dirty="0">
               <a:solidFill>
                 <a:schemeClr val="accent1">
@@ -3849,10 +3853,56 @@
           </a:p>
           <a:p>
             <a:r>
+              <a:rPr lang="en-IN" dirty="0" smtClean="0">
+                <a:solidFill>
+                  <a:schemeClr val="tx2">
+                    <a:lumMod val="60000"/>
+                    <a:lumOff val="40000"/>
+                  </a:schemeClr>
+                </a:solidFill>
+              </a:rPr>
+              <a:t>Ayush Soni</a:t>
+            </a:r>
+          </a:p>
+          <a:p>
+            <a:r>
+              <a:rPr lang="en-US" dirty="0" smtClean="0">
+                <a:solidFill>
+                  <a:schemeClr val="tx2">
+                    <a:lumMod val="60000"/>
+                    <a:lumOff val="40000"/>
+                  </a:schemeClr>
+                </a:solidFill>
+              </a:rPr>
+              <a:t>Aditya </a:t>
+            </a:r>
+            <a:r>
+              <a:rPr lang="en-US" dirty="0" err="1" smtClean="0">
+                <a:solidFill>
+                  <a:schemeClr val="tx2">
+                    <a:lumMod val="60000"/>
+                    <a:lumOff val="40000"/>
+                  </a:schemeClr>
+                </a:solidFill>
+              </a:rPr>
+              <a:t>Khatavkar</a:t>
+            </a:r>
+            <a:endParaRPr lang="en-IN" dirty="0" smtClean="0">
+              <a:solidFill>
+                <a:schemeClr val="tx2">
+                  <a:lumMod val="60000"/>
+                  <a:lumOff val="40000"/>
+                </a:schemeClr>
+              </a:solidFill>
+            </a:endParaRPr>
+          </a:p>
+          <a:p>
+            <a:r>
               <a:rPr lang="en-IN" dirty="0" err="1" smtClean="0">
                 <a:solidFill>
-                  <a:schemeClr val="accent1">
-                    <a:lumMod val="75000"/>
+                  <a:schemeClr val="tx2">
+                    <a:lumMod val="60000"/>
+                    <a:lumOff val="40000"/>
                   </a:schemeClr>
                 </a:solidFill>
               </a:rPr>
@@ -3861,64 +3911,119 @@
             <a:r>
               <a:rPr lang="en-IN" dirty="0" smtClean="0">
                 <a:solidFill>
-                  <a:schemeClr val="accent1">
-                    <a:lumMod val="75000"/>
+                  <a:schemeClr val="tx2">
+                    <a:lumMod val="60000"/>
+                    <a:lumOff val="40000"/>
                   </a:schemeClr>
                 </a:solidFill>
               </a:rPr>
               <a:t> </a:t>
             </a:r>
             <a:r>
-              <a:rPr lang="en-IN" dirty="0" err="1">
+              <a:rPr lang="en-IN" dirty="0" err="1" smtClean="0">
                 <a:solidFill>
-                  <a:schemeClr val="accent1">
-                    <a:lumMod val="75000"/>
+                  <a:schemeClr val="tx2">
+                    <a:lumMod val="60000"/>
+                    <a:lumOff val="40000"/>
                   </a:schemeClr>
                 </a:solidFill>
               </a:rPr>
               <a:t>Tople</a:t>
             </a:r>
-            <a:endParaRPr lang="en-IN" dirty="0">
+            <a:endParaRPr lang="en-IN" dirty="0" smtClean="0">
               <a:solidFill>
-                <a:schemeClr val="accent1">
-                  <a:lumMod val="75000"/>
+                <a:schemeClr val="tx2">
+                  <a:lumMod val="60000"/>
+                  <a:lumOff val="40000"/>
                 </a:schemeClr>
               </a:solidFill>
             </a:endParaRPr>
           </a:p>
           <a:p>
             <a:r>
-              <a:rPr lang="en-IN" dirty="0">
+              <a:rPr lang="en-IN" dirty="0" err="1" smtClean="0">
                 <a:solidFill>
-                  <a:schemeClr val="accent1">
-                    <a:lumMod val="75000"/>
+                  <a:schemeClr val="tx2">
+                    <a:lumMod val="60000"/>
+                    <a:lumOff val="40000"/>
                   </a:schemeClr>
                 </a:solidFill>
               </a:rPr>
-              <a:t>Aishwarya Sarna</a:t>
-            </a:r>
-          </a:p>
-          <a:p>
-            <a:r>
-              <a:rPr lang="en-IN" dirty="0" err="1">
+              <a:t>Aishwarya</a:t>
+            </a:r>
+            <a:r>
+              <a:rPr lang="en-IN" dirty="0" smtClean="0">
                 <a:solidFill>
-                  <a:schemeClr val="accent1">
-                    <a:lumMod val="75000"/>
+                  <a:schemeClr val="tx2">
+                    <a:lumMod val="60000"/>
+                    <a:lumOff val="40000"/>
+                  </a:schemeClr>
+                </a:solidFill>
+              </a:rPr>
+              <a:t> </a:t>
+            </a:r>
+            <a:r>
+              <a:rPr lang="en-IN" dirty="0" err="1" smtClean="0">
+                <a:solidFill>
+                  <a:schemeClr val="tx2">
+                    <a:lumMod val="60000"/>
+                    <a:lumOff val="40000"/>
+                  </a:schemeClr>
+                </a:solidFill>
+              </a:rPr>
+              <a:t>Sarna</a:t>
+            </a:r>
+            <a:endParaRPr lang="en-IN" dirty="0" smtClean="0">
+              <a:solidFill>
+                <a:schemeClr val="tx2">
+                  <a:lumMod val="60000"/>
+                  <a:lumOff val="40000"/>
+                </a:schemeClr>
+              </a:solidFill>
+            </a:endParaRPr>
+          </a:p>
+          <a:p>
+            <a:r>
+              <a:rPr lang="en-IN" dirty="0" err="1" smtClean="0">
+                <a:solidFill>
+                  <a:schemeClr val="tx2">
+                    <a:lumMod val="60000"/>
+                    <a:lumOff val="40000"/>
                   </a:schemeClr>
                 </a:solidFill>
               </a:rPr>
               <a:t>Samanway</a:t>
             </a:r>
             <a:r>
-              <a:rPr lang="en-IN" dirty="0">
+              <a:rPr lang="en-IN" dirty="0" smtClean="0">
                 <a:solidFill>
-                  <a:schemeClr val="accent1">
-                    <a:lumMod val="75000"/>
+                  <a:schemeClr val="tx2">
+                    <a:lumMod val="60000"/>
+                    <a:lumOff val="40000"/>
                   </a:schemeClr>
                 </a:solidFill>
               </a:rPr>
-              <a:t> Sahoo</a:t>
-            </a:r>
+              <a:t> </a:t>
+            </a:r>
+            <a:r>
+              <a:rPr lang="en-IN" dirty="0" err="1" smtClean="0">
+                <a:solidFill>
+                  <a:schemeClr val="tx2">
+                    <a:lumMod val="60000"/>
+                    <a:lumOff val="40000"/>
+                  </a:schemeClr>
+                </a:solidFill>
+              </a:rPr>
+              <a:t>Sahoo</a:t>
+            </a:r>
+            <a:endParaRPr lang="en-IN" dirty="0">
+              <a:solidFill>
+                <a:schemeClr val="tx2">
+                  <a:lumMod val="60000"/>
+                  <a:lumOff val="40000"/>
+                </a:schemeClr>
+              </a:solidFill>
+            </a:endParaRPr>
           </a:p>
         </p:txBody>
       </p:sp>
@@ -3932,6 +4037,13 @@
   <p:clrMapOvr>
     <a:masterClrMapping/>
   </p:clrMapOvr>
+  <p:timing>
+    <p:tnLst>
+      <p:par>
+        <p:cTn id="1" dur="indefinite" restart="never" nodeType="tmRoot"/>
+      </p:par>
+    </p:tnLst>
+  </p:timing>
 </p:sld>
 </file>
 
@@ -4032,6 +4144,13 @@
   <p:clrMapOvr>
     <a:masterClrMapping/>
   </p:clrMapOvr>
+  <p:timing>
+    <p:tnLst>
+      <p:par>
+        <p:cTn id="1" dur="indefinite" restart="never" nodeType="tmRoot"/>
+      </p:par>
+    </p:tnLst>
+  </p:timing>
 </p:sld>
 </file>
 
@@ -4109,6 +4228,13 @@
   <p:clrMapOvr>
     <a:masterClrMapping/>
   </p:clrMapOvr>
+  <p:timing>
+    <p:tnLst>
+      <p:par>
+        <p:cTn id="1" dur="indefinite" restart="never" nodeType="tmRoot"/>
+      </p:par>
+    </p:tnLst>
+  </p:timing>
 </p:sld>
 </file>
 
@@ -4168,8 +4294,8 @@
         </p:blipFill>
         <p:spPr>
           <a:xfrm>
-            <a:off x="1678566" y="1628800"/>
-            <a:ext cx="5786868" cy="4805866"/>
+            <a:off x="755576" y="1628800"/>
+            <a:ext cx="7344816" cy="5040560"/>
           </a:xfrm>
           <a:prstGeom prst="rect">
             <a:avLst/>
@@ -4186,6 +4312,13 @@
   <p:clrMapOvr>
     <a:masterClrMapping/>
   </p:clrMapOvr>
+  <p:timing>
+    <p:tnLst>
+      <p:par>
+        <p:cTn id="1" dur="indefinite" restart="never" nodeType="tmRoot"/>
+      </p:par>
+    </p:tnLst>
+  </p:timing>
 </p:sld>
 </file>
 
@@ -4242,7 +4375,7 @@
           <p:cNvPr id="4" name="Picture 3">
             <a:extLst>
               <a:ext uri="{FF2B5EF4-FFF2-40B4-BE49-F238E27FC236}">
-                <a16:creationId xmlns="" xmlns:a16="http://schemas.microsoft.com/office/drawing/2014/main" id="{3B121977-26FD-4686-AF28-99A478E29E60}"/>
+                <a16:creationId xmlns:a16="http://schemas.microsoft.com/office/drawing/2014/main" xmlns="" id="{3B121977-26FD-4686-AF28-99A478E29E60}"/>
               </a:ext>
             </a:extLst>
           </p:cNvPr>
@@ -4265,8 +4398,8 @@
         </p:blipFill>
         <p:spPr>
           <a:xfrm>
-            <a:off x="1368151" y="1556792"/>
-            <a:ext cx="5656331" cy="5112568"/>
+            <a:off x="755577" y="1556792"/>
+            <a:ext cx="7272808" cy="5112568"/>
           </a:xfrm>
           <a:prstGeom prst="rect">
             <a:avLst/>
@@ -4283,6 +4416,13 @@
   <p:clrMapOvr>
     <a:masterClrMapping/>
   </p:clrMapOvr>
+  <p:timing>
+    <p:tnLst>
+      <p:par>
+        <p:cTn id="1" dur="indefinite" restart="never" nodeType="tmRoot"/>
+      </p:par>
+    </p:tnLst>
+  </p:timing>
 </p:sld>
 </file>
 
@@ -4336,47 +4476,12 @@
           </a:p>
         </p:txBody>
       </p:sp>
-      <p:pic>
-        <p:nvPicPr>
-          <p:cNvPr id="7" name="Content Placeholder 6">
-            <a:extLst>
-              <a:ext uri="{FF2B5EF4-FFF2-40B4-BE49-F238E27FC236}">
-                <a16:creationId xmlns="" xmlns:a16="http://schemas.microsoft.com/office/drawing/2014/main" id="{AC70680A-69C5-4A70-8659-AE690FEF691A}"/>
-              </a:ext>
-            </a:extLst>
-          </p:cNvPr>
-          <p:cNvPicPr>
-            <a:picLocks noGrp="1" noChangeAspect="1"/>
-          </p:cNvPicPr>
-          <p:nvPr>
-            <p:ph idx="1"/>
-          </p:nvPr>
-        </p:nvPicPr>
-        <p:blipFill>
-          <a:blip r:embed="rId2">
-            <a:extLst>
-              <a:ext uri="{28A0092B-C50C-407E-A947-70E740481C1C}">
-                <a14:useLocalDpi xmlns:a14="http://schemas.microsoft.com/office/drawing/2010/main" val="0"/>
-              </a:ext>
-            </a:extLst>
-          </a:blip>
-          <a:stretch>
-            <a:fillRect/>
-          </a:stretch>
-        </p:blipFill>
-        <p:spPr>
-          <a:xfrm>
-            <a:off x="-324544" y="764704"/>
-            <a:ext cx="12529391" cy="4680520"/>
-          </a:xfrm>
-        </p:spPr>
-      </p:pic>
       <p:sp>
         <p:nvSpPr>
           <p:cNvPr id="8" name="Rectangle 7">
             <a:extLst>
               <a:ext uri="{FF2B5EF4-FFF2-40B4-BE49-F238E27FC236}">
-                <a16:creationId xmlns="" xmlns:a16="http://schemas.microsoft.com/office/drawing/2014/main" id="{47F65A11-B943-49B1-941A-00BB475F43C4}"/>
+                <a16:creationId xmlns:a16="http://schemas.microsoft.com/office/drawing/2014/main" xmlns="" id="{47F65A11-B943-49B1-941A-00BB475F43C4}"/>
               </a:ext>
             </a:extLst>
           </p:cNvPr>
@@ -4385,7 +4490,7 @@
         </p:nvSpPr>
         <p:spPr>
           <a:xfrm>
-            <a:off x="457200" y="5445224"/>
+            <a:off x="367444" y="1106845"/>
             <a:ext cx="8229600" cy="1080120"/>
           </a:xfrm>
           <a:prstGeom prst="rect">
@@ -4442,6 +4547,36 @@
           </a:p>
         </p:txBody>
       </p:sp>
+      <p:pic>
+        <p:nvPicPr>
+          <p:cNvPr id="4" name="Picture 3"/>
+          <p:cNvPicPr>
+            <a:picLocks noChangeAspect="1"/>
+          </p:cNvPicPr>
+          <p:nvPr/>
+        </p:nvPicPr>
+        <p:blipFill>
+          <a:blip r:embed="rId2">
+            <a:extLst>
+              <a:ext uri="{28A0092B-C50C-407E-A947-70E740481C1C}">
+                <a14:useLocalDpi xmlns:a14="http://schemas.microsoft.com/office/drawing/2010/main" val="0"/>
+              </a:ext>
+            </a:extLst>
+          </a:blip>
+          <a:stretch>
+            <a:fillRect/>
+          </a:stretch>
+        </p:blipFill>
+        <p:spPr>
+          <a:xfrm>
+            <a:off x="0" y="2204864"/>
+            <a:ext cx="8964488" cy="4488486"/>
+          </a:xfrm>
+          <a:prstGeom prst="rect">
+            <a:avLst/>
+          </a:prstGeom>
+        </p:spPr>
+      </p:pic>
     </p:spTree>
     <p:extLst>
       <p:ext uri="{BB962C8B-B14F-4D97-AF65-F5344CB8AC3E}">
@@ -4452,6 +4587,13 @@
   <p:clrMapOvr>
     <a:masterClrMapping/>
   </p:clrMapOvr>
+  <p:timing>
+    <p:tnLst>
+      <p:par>
+        <p:cTn id="1" dur="indefinite" restart="never" nodeType="tmRoot"/>
+      </p:par>
+    </p:tnLst>
+  </p:timing>
 </p:sld>
 </file>
 
@@ -4472,47 +4614,12 @@
           <a:chExt cx="0" cy="0"/>
         </a:xfrm>
       </p:grpSpPr>
-      <p:pic>
-        <p:nvPicPr>
-          <p:cNvPr id="7" name="Content Placeholder 6">
+      <p:sp>
+        <p:nvSpPr>
+          <p:cNvPr id="5" name="Rectangle 4">
             <a:extLst>
               <a:ext uri="{FF2B5EF4-FFF2-40B4-BE49-F238E27FC236}">
-                <a16:creationId xmlns="" xmlns:a16="http://schemas.microsoft.com/office/drawing/2014/main" id="{AF1B8F09-607F-4722-BAB2-874CB405F238}"/>
-              </a:ext>
-            </a:extLst>
-          </p:cNvPr>
-          <p:cNvPicPr>
-            <a:picLocks noGrp="1" noChangeAspect="1"/>
-          </p:cNvPicPr>
-          <p:nvPr>
-            <p:ph idx="1"/>
-          </p:nvPr>
-        </p:nvPicPr>
-        <p:blipFill>
-          <a:blip r:embed="rId2">
-            <a:extLst>
-              <a:ext uri="{28A0092B-C50C-407E-A947-70E740481C1C}">
-                <a14:useLocalDpi xmlns:a14="http://schemas.microsoft.com/office/drawing/2010/main" val="0"/>
-              </a:ext>
-            </a:extLst>
-          </a:blip>
-          <a:stretch>
-            <a:fillRect/>
-          </a:stretch>
-        </p:blipFill>
-        <p:spPr>
-          <a:xfrm>
-            <a:off x="-972616" y="359630"/>
-            <a:ext cx="13753528" cy="4869570"/>
-          </a:xfrm>
-        </p:spPr>
-      </p:pic>
-      <p:sp>
-        <p:nvSpPr>
-          <p:cNvPr id="4" name="Rectangle 3">
-            <a:extLst>
-              <a:ext uri="{FF2B5EF4-FFF2-40B4-BE49-F238E27FC236}">
-                <a16:creationId xmlns="" xmlns:a16="http://schemas.microsoft.com/office/drawing/2014/main" id="{A51C8FA2-B560-4F4D-9301-191B2CB50D0B}"/>
+                <a16:creationId xmlns:a16="http://schemas.microsoft.com/office/drawing/2014/main" xmlns="" id="{4CD51FF1-81B1-4991-BD64-40CF443DC8D6}"/>
               </a:ext>
             </a:extLst>
           </p:cNvPr>
@@ -4521,53 +4628,7 @@
         </p:nvSpPr>
         <p:spPr>
           <a:xfrm>
-            <a:off x="374440" y="5229200"/>
-            <a:ext cx="8229600" cy="1224136"/>
-          </a:xfrm>
-          <a:prstGeom prst="rect">
-            <a:avLst/>
-          </a:prstGeom>
-        </p:spPr>
-        <p:style>
-          <a:lnRef idx="2">
-            <a:schemeClr val="accent1">
-              <a:shade val="50000"/>
-            </a:schemeClr>
-          </a:lnRef>
-          <a:fillRef idx="1">
-            <a:schemeClr val="accent1"/>
-          </a:fillRef>
-          <a:effectRef idx="0">
-            <a:schemeClr val="accent1"/>
-          </a:effectRef>
-          <a:fontRef idx="minor">
-            <a:schemeClr val="lt1"/>
-          </a:fontRef>
-        </p:style>
-        <p:txBody>
-          <a:bodyPr rtlCol="0" anchor="ctr"/>
-          <a:lstStyle/>
-          <a:p>
-            <a:pPr algn="ctr"/>
-            <a:endParaRPr lang="en-IN"/>
-          </a:p>
-        </p:txBody>
-      </p:sp>
-      <p:sp>
-        <p:nvSpPr>
-          <p:cNvPr id="5" name="Rectangle 4">
-            <a:extLst>
-              <a:ext uri="{FF2B5EF4-FFF2-40B4-BE49-F238E27FC236}">
-                <a16:creationId xmlns="" xmlns:a16="http://schemas.microsoft.com/office/drawing/2014/main" id="{4CD51FF1-81B1-4991-BD64-40CF443DC8D6}"/>
-              </a:ext>
-            </a:extLst>
-          </p:cNvPr>
-          <p:cNvSpPr/>
-          <p:nvPr/>
-        </p:nvSpPr>
-        <p:spPr>
-          <a:xfrm>
-            <a:off x="374440" y="5229200"/>
+            <a:off x="555405" y="404664"/>
             <a:ext cx="8229600" cy="1224136"/>
           </a:xfrm>
           <a:prstGeom prst="rect">
@@ -4624,6 +4685,36 @@
           </a:p>
         </p:txBody>
       </p:sp>
+      <p:pic>
+        <p:nvPicPr>
+          <p:cNvPr id="3" name="Picture 2"/>
+          <p:cNvPicPr>
+            <a:picLocks noChangeAspect="1"/>
+          </p:cNvPicPr>
+          <p:nvPr/>
+        </p:nvPicPr>
+        <p:blipFill>
+          <a:blip r:embed="rId2">
+            <a:extLst>
+              <a:ext uri="{28A0092B-C50C-407E-A947-70E740481C1C}">
+                <a14:useLocalDpi xmlns:a14="http://schemas.microsoft.com/office/drawing/2010/main" val="0"/>
+              </a:ext>
+            </a:extLst>
+          </a:blip>
+          <a:stretch>
+            <a:fillRect/>
+          </a:stretch>
+        </p:blipFill>
+        <p:spPr>
+          <a:xfrm>
+            <a:off x="196411" y="2348880"/>
+            <a:ext cx="8947589" cy="4229557"/>
+          </a:xfrm>
+          <a:prstGeom prst="rect">
+            <a:avLst/>
+          </a:prstGeom>
+        </p:spPr>
+      </p:pic>
     </p:spTree>
     <p:extLst>
       <p:ext uri="{BB962C8B-B14F-4D97-AF65-F5344CB8AC3E}">
@@ -4634,6 +4725,13 @@
   <p:clrMapOvr>
     <a:masterClrMapping/>
   </p:clrMapOvr>
+  <p:timing>
+    <p:tnLst>
+      <p:par>
+        <p:cTn id="1" dur="indefinite" restart="never" nodeType="tmRoot"/>
+      </p:par>
+    </p:tnLst>
+  </p:timing>
 </p:sld>
 </file>
 
@@ -4654,47 +4752,12 @@
           <a:chExt cx="0" cy="0"/>
         </a:xfrm>
       </p:grpSpPr>
-      <p:pic>
-        <p:nvPicPr>
-          <p:cNvPr id="6" name="Content Placeholder 5">
-            <a:extLst>
-              <a:ext uri="{FF2B5EF4-FFF2-40B4-BE49-F238E27FC236}">
-                <a16:creationId xmlns="" xmlns:a16="http://schemas.microsoft.com/office/drawing/2014/main" id="{17853DB9-3350-4538-AFAB-25448877D004}"/>
-              </a:ext>
-            </a:extLst>
-          </p:cNvPr>
-          <p:cNvPicPr>
-            <a:picLocks noGrp="1" noChangeAspect="1"/>
-          </p:cNvPicPr>
-          <p:nvPr>
-            <p:ph idx="1"/>
-          </p:nvPr>
-        </p:nvPicPr>
-        <p:blipFill>
-          <a:blip r:embed="rId2">
-            <a:extLst>
-              <a:ext uri="{28A0092B-C50C-407E-A947-70E740481C1C}">
-                <a14:useLocalDpi xmlns:a14="http://schemas.microsoft.com/office/drawing/2010/main" val="0"/>
-              </a:ext>
-            </a:extLst>
-          </a:blip>
-          <a:stretch>
-            <a:fillRect/>
-          </a:stretch>
-        </p:blipFill>
-        <p:spPr>
-          <a:xfrm>
-            <a:off x="-180528" y="259677"/>
-            <a:ext cx="15553728" cy="5248225"/>
-          </a:xfrm>
-        </p:spPr>
-      </p:pic>
       <p:sp>
         <p:nvSpPr>
           <p:cNvPr id="4" name="Rectangle 3">
             <a:extLst>
               <a:ext uri="{FF2B5EF4-FFF2-40B4-BE49-F238E27FC236}">
-                <a16:creationId xmlns="" xmlns:a16="http://schemas.microsoft.com/office/drawing/2014/main" id="{18EBBE87-C5CC-4723-A30A-28C5CF3A8341}"/>
+                <a16:creationId xmlns:a16="http://schemas.microsoft.com/office/drawing/2014/main" xmlns="" id="{18EBBE87-C5CC-4723-A30A-28C5CF3A8341}"/>
               </a:ext>
             </a:extLst>
           </p:cNvPr>
@@ -4703,7 +4766,7 @@
         </p:nvSpPr>
         <p:spPr>
           <a:xfrm>
-            <a:off x="467544" y="5229200"/>
+            <a:off x="395536" y="85335"/>
             <a:ext cx="8280920" cy="1296144"/>
           </a:xfrm>
           <a:prstGeom prst="rect">
@@ -4760,6 +4823,36 @@
           </a:p>
         </p:txBody>
       </p:sp>
+      <p:pic>
+        <p:nvPicPr>
+          <p:cNvPr id="3" name="Picture 2"/>
+          <p:cNvPicPr>
+            <a:picLocks noChangeAspect="1"/>
+          </p:cNvPicPr>
+          <p:nvPr/>
+        </p:nvPicPr>
+        <p:blipFill>
+          <a:blip r:embed="rId2">
+            <a:extLst>
+              <a:ext uri="{28A0092B-C50C-407E-A947-70E740481C1C}">
+                <a14:useLocalDpi xmlns:a14="http://schemas.microsoft.com/office/drawing/2010/main" val="0"/>
+              </a:ext>
+            </a:extLst>
+          </a:blip>
+          <a:stretch>
+            <a:fillRect/>
+          </a:stretch>
+        </p:blipFill>
+        <p:spPr>
+          <a:xfrm>
+            <a:off x="0" y="1844824"/>
+            <a:ext cx="8856984" cy="4713592"/>
+          </a:xfrm>
+          <a:prstGeom prst="rect">
+            <a:avLst/>
+          </a:prstGeom>
+        </p:spPr>
+      </p:pic>
     </p:spTree>
     <p:extLst>
       <p:ext uri="{BB962C8B-B14F-4D97-AF65-F5344CB8AC3E}">
@@ -4770,6 +4863,13 @@
   <p:clrMapOvr>
     <a:masterClrMapping/>
   </p:clrMapOvr>
+  <p:timing>
+    <p:tnLst>
+      <p:par>
+        <p:cTn id="1" dur="indefinite" restart="never" nodeType="tmRoot"/>
+      </p:par>
+    </p:tnLst>
+  </p:timing>
 </p:sld>
 </file>
 

--- a/Presentation Ayush.pptx
+++ b/Presentation Ayush.pptx
@@ -4375,7 +4375,7 @@
           <p:cNvPr id="4" name="Picture 3">
             <a:extLst>
               <a:ext uri="{FF2B5EF4-FFF2-40B4-BE49-F238E27FC236}">
-                <a16:creationId xmlns:a16="http://schemas.microsoft.com/office/drawing/2014/main" xmlns="" id="{3B121977-26FD-4686-AF28-99A478E29E60}"/>
+                <a16:creationId xmlns="" xmlns:a16="http://schemas.microsoft.com/office/drawing/2014/main" id="{3B121977-26FD-4686-AF28-99A478E29E60}"/>
               </a:ext>
             </a:extLst>
           </p:cNvPr>
@@ -4481,7 +4481,7 @@
           <p:cNvPr id="8" name="Rectangle 7">
             <a:extLst>
               <a:ext uri="{FF2B5EF4-FFF2-40B4-BE49-F238E27FC236}">
-                <a16:creationId xmlns:a16="http://schemas.microsoft.com/office/drawing/2014/main" xmlns="" id="{47F65A11-B943-49B1-941A-00BB475F43C4}"/>
+                <a16:creationId xmlns="" xmlns:a16="http://schemas.microsoft.com/office/drawing/2014/main" id="{47F65A11-B943-49B1-941A-00BB475F43C4}"/>
               </a:ext>
             </a:extLst>
           </p:cNvPr>
@@ -4619,7 +4619,7 @@
           <p:cNvPr id="5" name="Rectangle 4">
             <a:extLst>
               <a:ext uri="{FF2B5EF4-FFF2-40B4-BE49-F238E27FC236}">
-                <a16:creationId xmlns:a16="http://schemas.microsoft.com/office/drawing/2014/main" xmlns="" id="{4CD51FF1-81B1-4991-BD64-40CF443DC8D6}"/>
+                <a16:creationId xmlns="" xmlns:a16="http://schemas.microsoft.com/office/drawing/2014/main" id="{4CD51FF1-81B1-4991-BD64-40CF443DC8D6}"/>
               </a:ext>
             </a:extLst>
           </p:cNvPr>
@@ -4757,7 +4757,7 @@
           <p:cNvPr id="4" name="Rectangle 3">
             <a:extLst>
               <a:ext uri="{FF2B5EF4-FFF2-40B4-BE49-F238E27FC236}">
-                <a16:creationId xmlns:a16="http://schemas.microsoft.com/office/drawing/2014/main" xmlns="" id="{18EBBE87-C5CC-4723-A30A-28C5CF3A8341}"/>
+                <a16:creationId xmlns="" xmlns:a16="http://schemas.microsoft.com/office/drawing/2014/main" id="{18EBBE87-C5CC-4723-A30A-28C5CF3A8341}"/>
               </a:ext>
             </a:extLst>
           </p:cNvPr>
@@ -4766,7 +4766,7 @@
         </p:nvSpPr>
         <p:spPr>
           <a:xfrm>
-            <a:off x="395536" y="85335"/>
+            <a:off x="547215" y="548680"/>
             <a:ext cx="8280920" cy="1296144"/>
           </a:xfrm>
           <a:prstGeom prst="rect">

--- a/Presentation Ayush.pptx
+++ b/Presentation Ayush.pptx
@@ -3590,37 +3590,7 @@
                   </a:schemeClr>
                 </a:solidFill>
               </a:rPr>
-              <a:t>Presented By  - </a:t>
-            </a:r>
-            <a:r>
-              <a:rPr lang="en-US" sz="2400" b="1" dirty="0" err="1" smtClean="0">
-                <a:solidFill>
-                  <a:schemeClr val="accent1">
-                    <a:lumMod val="75000"/>
-                  </a:schemeClr>
-                </a:solidFill>
-              </a:rPr>
-              <a:t>Ayush</a:t>
-            </a:r>
-            <a:r>
-              <a:rPr lang="en-US" sz="2400" b="1" dirty="0" smtClean="0">
-                <a:solidFill>
-                  <a:schemeClr val="accent1">
-                    <a:lumMod val="75000"/>
-                  </a:schemeClr>
-                </a:solidFill>
-              </a:rPr>
-              <a:t> </a:t>
-            </a:r>
-            <a:r>
-              <a:rPr lang="en-US" sz="2400" b="1" dirty="0" err="1" smtClean="0">
-                <a:solidFill>
-                  <a:schemeClr val="accent1">
-                    <a:lumMod val="75000"/>
-                  </a:schemeClr>
-                </a:solidFill>
-              </a:rPr>
-              <a:t>Soni</a:t>
+              <a:t>Presented By  - Ayush Soni</a:t>
             </a:r>
             <a:endParaRPr lang="en-IN" sz="2400" b="1" dirty="0">
               <a:solidFill>
@@ -3671,25 +3641,6 @@
       </p:grpSpPr>
       <p:sp>
         <p:nvSpPr>
-          <p:cNvPr id="2" name="Title 1"/>
-          <p:cNvSpPr>
-            <a:spLocks noGrp="1"/>
-          </p:cNvSpPr>
-          <p:nvPr>
-            <p:ph type="title"/>
-          </p:nvPr>
-        </p:nvSpPr>
-        <p:spPr/>
-        <p:txBody>
-          <a:bodyPr/>
-          <a:lstStyle/>
-          <a:p>
-            <a:endParaRPr lang="en-IN"/>
-          </a:p>
-        </p:txBody>
-      </p:sp>
-      <p:sp>
-        <p:nvSpPr>
           <p:cNvPr id="3" name="Content Placeholder 2"/>
           <p:cNvSpPr>
             <a:spLocks noGrp="1"/>
@@ -3721,7 +3672,7 @@
               <a:buNone/>
             </a:pPr>
             <a:r>
-              <a:rPr lang="en-IN" sz="4000" b="1" dirty="0">
+              <a:rPr lang="en-IN" sz="6600" b="1" dirty="0">
                 <a:solidFill>
                   <a:schemeClr val="accent1">
                     <a:lumMod val="75000"/>
@@ -3874,18 +3825,7 @@
                   </a:schemeClr>
                 </a:solidFill>
               </a:rPr>
-              <a:t>Aditya </a:t>
-            </a:r>
-            <a:r>
-              <a:rPr lang="en-US" dirty="0" err="1" smtClean="0">
-                <a:solidFill>
-                  <a:schemeClr val="tx2">
-                    <a:lumMod val="60000"/>
-                    <a:lumOff val="40000"/>
-                  </a:schemeClr>
-                </a:solidFill>
-              </a:rPr>
-              <a:t>Khatavkar</a:t>
+              <a:t>Aditya Khatavkar</a:t>
             </a:r>
             <a:endParaRPr lang="en-IN" dirty="0" smtClean="0">
               <a:solidFill>
@@ -3898,17 +3838,6 @@
           </a:p>
           <a:p>
             <a:r>
-              <a:rPr lang="en-IN" dirty="0" err="1" smtClean="0">
-                <a:solidFill>
-                  <a:schemeClr val="tx2">
-                    <a:lumMod val="60000"/>
-                    <a:lumOff val="40000"/>
-                  </a:schemeClr>
-                </a:solidFill>
-              </a:rPr>
-              <a:t>Akshay</a:t>
-            </a:r>
-            <a:r>
               <a:rPr lang="en-IN" dirty="0" smtClean="0">
                 <a:solidFill>
                   <a:schemeClr val="tx2">
@@ -3917,40 +3846,10 @@
                   </a:schemeClr>
                 </a:solidFill>
               </a:rPr>
-              <a:t> </a:t>
-            </a:r>
-            <a:r>
-              <a:rPr lang="en-IN" dirty="0" err="1" smtClean="0">
-                <a:solidFill>
-                  <a:schemeClr val="tx2">
-                    <a:lumMod val="60000"/>
-                    <a:lumOff val="40000"/>
-                  </a:schemeClr>
-                </a:solidFill>
-              </a:rPr>
-              <a:t>Tople</a:t>
-            </a:r>
-            <a:endParaRPr lang="en-IN" dirty="0" smtClean="0">
-              <a:solidFill>
-                <a:schemeClr val="tx2">
-                  <a:lumMod val="60000"/>
-                  <a:lumOff val="40000"/>
-                </a:schemeClr>
-              </a:solidFill>
-            </a:endParaRPr>
-          </a:p>
-          <a:p>
-            <a:r>
-              <a:rPr lang="en-IN" dirty="0" err="1" smtClean="0">
-                <a:solidFill>
-                  <a:schemeClr val="tx2">
-                    <a:lumMod val="60000"/>
-                    <a:lumOff val="40000"/>
-                  </a:schemeClr>
-                </a:solidFill>
-              </a:rPr>
-              <a:t>Aishwarya</a:t>
-            </a:r>
+              <a:t>Akshay Tople</a:t>
+            </a:r>
+          </a:p>
+          <a:p>
             <a:r>
               <a:rPr lang="en-IN" dirty="0" smtClean="0">
                 <a:solidFill>
@@ -3960,40 +3859,10 @@
                   </a:schemeClr>
                 </a:solidFill>
               </a:rPr>
-              <a:t> </a:t>
-            </a:r>
-            <a:r>
-              <a:rPr lang="en-IN" dirty="0" err="1" smtClean="0">
-                <a:solidFill>
-                  <a:schemeClr val="tx2">
-                    <a:lumMod val="60000"/>
-                    <a:lumOff val="40000"/>
-                  </a:schemeClr>
-                </a:solidFill>
-              </a:rPr>
-              <a:t>Sarna</a:t>
-            </a:r>
-            <a:endParaRPr lang="en-IN" dirty="0" smtClean="0">
-              <a:solidFill>
-                <a:schemeClr val="tx2">
-                  <a:lumMod val="60000"/>
-                  <a:lumOff val="40000"/>
-                </a:schemeClr>
-              </a:solidFill>
-            </a:endParaRPr>
-          </a:p>
-          <a:p>
-            <a:r>
-              <a:rPr lang="en-IN" dirty="0" err="1" smtClean="0">
-                <a:solidFill>
-                  <a:schemeClr val="tx2">
-                    <a:lumMod val="60000"/>
-                    <a:lumOff val="40000"/>
-                  </a:schemeClr>
-                </a:solidFill>
-              </a:rPr>
-              <a:t>Samanway</a:t>
-            </a:r>
+              <a:t>Aishwarya Sarna</a:t>
+            </a:r>
+          </a:p>
+          <a:p>
             <a:r>
               <a:rPr lang="en-IN" dirty="0" smtClean="0">
                 <a:solidFill>
@@ -4003,18 +3872,7 @@
                   </a:schemeClr>
                 </a:solidFill>
               </a:rPr>
-              <a:t> </a:t>
-            </a:r>
-            <a:r>
-              <a:rPr lang="en-IN" dirty="0" err="1" smtClean="0">
-                <a:solidFill>
-                  <a:schemeClr val="tx2">
-                    <a:lumMod val="60000"/>
-                    <a:lumOff val="40000"/>
-                  </a:schemeClr>
-                </a:solidFill>
-              </a:rPr>
-              <a:t>Sahoo</a:t>
+              <a:t>Samanway Sahoo</a:t>
             </a:r>
             <a:endParaRPr lang="en-IN" dirty="0">
               <a:solidFill>
@@ -4188,7 +4046,11 @@
           <a:p>
             <a:r>
               <a:rPr lang="en-US" dirty="0" smtClean="0"/>
-              <a:t>Class Diagram</a:t>
+              <a:t>Class </a:t>
+            </a:r>
+            <a:r>
+              <a:rPr lang="en-US" dirty="0" smtClean="0"/>
+              <a:t>Diagram: TransactionEntities</a:t>
             </a:r>
             <a:endParaRPr lang="en-IN" dirty="0"/>
           </a:p>
@@ -4272,7 +4134,11 @@
           <a:p>
             <a:r>
               <a:rPr lang="en-US" dirty="0" smtClean="0"/>
-              <a:t>Class Diagram contd..</a:t>
+              <a:t>Class </a:t>
+            </a:r>
+            <a:r>
+              <a:rPr lang="en-US" dirty="0" smtClean="0"/>
+              <a:t>Diagram: TransactionBL</a:t>
             </a:r>
             <a:endParaRPr lang="en-IN" dirty="0"/>
           </a:p>
@@ -4359,12 +4225,8 @@
               <a:t>Class Diagram </a:t>
             </a:r>
             <a:r>
-              <a:rPr lang="en-US" dirty="0" err="1" smtClean="0"/>
-              <a:t>contd</a:t>
-            </a:r>
-            <a:r>
               <a:rPr lang="en-US" dirty="0" smtClean="0"/>
-              <a:t>….</a:t>
+              <a:t>TransactionDAL</a:t>
             </a:r>
             <a:endParaRPr lang="en-IN" dirty="0"/>
           </a:p>
@@ -4375,7 +4237,7 @@
           <p:cNvPr id="4" name="Picture 3">
             <a:extLst>
               <a:ext uri="{FF2B5EF4-FFF2-40B4-BE49-F238E27FC236}">
-                <a16:creationId xmlns="" xmlns:a16="http://schemas.microsoft.com/office/drawing/2014/main" id="{3B121977-26FD-4686-AF28-99A478E29E60}"/>
+                <a16:creationId xmlns:a16="http://schemas.microsoft.com/office/drawing/2014/main" xmlns="" id="{3B121977-26FD-4686-AF28-99A478E29E60}"/>
               </a:ext>
             </a:extLst>
           </p:cNvPr>
@@ -4460,19 +4322,38 @@
           </a:xfrm>
         </p:spPr>
         <p:txBody>
-          <a:bodyPr/>
-          <a:lstStyle/>
-          <a:p>
-            <a:r>
-              <a:rPr lang="en-IN" b="1" dirty="0">
+          <a:bodyPr>
+            <a:normAutofit/>
+          </a:bodyPr>
+          <a:lstStyle/>
+          <a:p>
+            <a:r>
+              <a:rPr lang="en-IN" sz="3200" b="1" dirty="0">
                 <a:solidFill>
                   <a:schemeClr val="accent1">
                     <a:lumMod val="75000"/>
                   </a:schemeClr>
                 </a:solidFill>
               </a:rPr>
-              <a:t>SEQUENCE DIAGRAM</a:t>
-            </a:r>
+              <a:t>SEQUENCE </a:t>
+            </a:r>
+            <a:r>
+              <a:rPr lang="en-IN" sz="3200" b="1" dirty="0" smtClean="0">
+                <a:solidFill>
+                  <a:schemeClr val="accent1">
+                    <a:lumMod val="75000"/>
+                  </a:schemeClr>
+                </a:solidFill>
+              </a:rPr>
+              <a:t>DIAGRAM: Passbook Update</a:t>
+            </a:r>
+            <a:endParaRPr lang="en-IN" sz="3200" b="1" dirty="0">
+              <a:solidFill>
+                <a:schemeClr val="accent1">
+                  <a:lumMod val="75000"/>
+                </a:schemeClr>
+              </a:solidFill>
+            </a:endParaRPr>
           </a:p>
         </p:txBody>
       </p:sp>
@@ -4481,7 +4362,7 @@
           <p:cNvPr id="8" name="Rectangle 7">
             <a:extLst>
               <a:ext uri="{FF2B5EF4-FFF2-40B4-BE49-F238E27FC236}">
-                <a16:creationId xmlns="" xmlns:a16="http://schemas.microsoft.com/office/drawing/2014/main" id="{47F65A11-B943-49B1-941A-00BB475F43C4}"/>
+                <a16:creationId xmlns:a16="http://schemas.microsoft.com/office/drawing/2014/main" xmlns="" id="{47F65A11-B943-49B1-941A-00BB475F43C4}"/>
               </a:ext>
             </a:extLst>
           </p:cNvPr>
@@ -4619,7 +4500,7 @@
           <p:cNvPr id="5" name="Rectangle 4">
             <a:extLst>
               <a:ext uri="{FF2B5EF4-FFF2-40B4-BE49-F238E27FC236}">
-                <a16:creationId xmlns="" xmlns:a16="http://schemas.microsoft.com/office/drawing/2014/main" id="{4CD51FF1-81B1-4991-BD64-40CF443DC8D6}"/>
+                <a16:creationId xmlns:a16="http://schemas.microsoft.com/office/drawing/2014/main" xmlns="" id="{4CD51FF1-81B1-4991-BD64-40CF443DC8D6}"/>
               </a:ext>
             </a:extLst>
           </p:cNvPr>
@@ -4628,7 +4509,7 @@
         </p:nvSpPr>
         <p:spPr>
           <a:xfrm>
-            <a:off x="555405" y="404664"/>
+            <a:off x="683568" y="1118671"/>
             <a:ext cx="8229600" cy="1224136"/>
           </a:xfrm>
           <a:prstGeom prst="rect">
@@ -4715,6 +4596,52 @@
           </a:prstGeom>
         </p:spPr>
       </p:pic>
+      <p:sp>
+        <p:nvSpPr>
+          <p:cNvPr id="4" name="TextBox 3"/>
+          <p:cNvSpPr txBox="1"/>
+          <p:nvPr/>
+        </p:nvSpPr>
+        <p:spPr>
+          <a:xfrm>
+            <a:off x="683568" y="332656"/>
+            <a:ext cx="8229600" cy="584775"/>
+          </a:xfrm>
+          <a:prstGeom prst="rect">
+            <a:avLst/>
+          </a:prstGeom>
+          <a:noFill/>
+        </p:spPr>
+        <p:txBody>
+          <a:bodyPr wrap="square" rtlCol="0">
+            <a:spAutoFit/>
+          </a:bodyPr>
+          <a:lstStyle/>
+          <a:p>
+            <a:r>
+              <a:rPr lang="en-IN" sz="3200" b="1" dirty="0">
+                <a:solidFill>
+                  <a:schemeClr val="accent1">
+                    <a:lumMod val="75000"/>
+                  </a:schemeClr>
+                </a:solidFill>
+              </a:rPr>
+              <a:t>SEQUENCE DIAGRAM</a:t>
+            </a:r>
+            <a:r>
+              <a:rPr lang="en-IN" sz="3200" b="1" dirty="0" smtClean="0">
+                <a:solidFill>
+                  <a:schemeClr val="accent1">
+                    <a:lumMod val="75000"/>
+                  </a:schemeClr>
+                </a:solidFill>
+              </a:rPr>
+              <a:t>: Issue Passbook</a:t>
+            </a:r>
+            <a:endParaRPr lang="en-IN" sz="3200" dirty="0"/>
+          </a:p>
+        </p:txBody>
+      </p:sp>
     </p:spTree>
     <p:extLst>
       <p:ext uri="{BB962C8B-B14F-4D97-AF65-F5344CB8AC3E}">
@@ -4757,7 +4684,7 @@
           <p:cNvPr id="4" name="Rectangle 3">
             <a:extLst>
               <a:ext uri="{FF2B5EF4-FFF2-40B4-BE49-F238E27FC236}">
-                <a16:creationId xmlns="" xmlns:a16="http://schemas.microsoft.com/office/drawing/2014/main" id="{18EBBE87-C5CC-4723-A30A-28C5CF3A8341}"/>
+                <a16:creationId xmlns:a16="http://schemas.microsoft.com/office/drawing/2014/main" xmlns="" id="{18EBBE87-C5CC-4723-A30A-28C5CF3A8341}"/>
               </a:ext>
             </a:extLst>
           </p:cNvPr>
@@ -4766,8 +4693,8 @@
         </p:nvSpPr>
         <p:spPr>
           <a:xfrm>
-            <a:off x="547215" y="548680"/>
-            <a:ext cx="8280920" cy="1296144"/>
+            <a:off x="576064" y="1340768"/>
+            <a:ext cx="8280920" cy="1008112"/>
           </a:xfrm>
           <a:prstGeom prst="rect">
             <a:avLst/>
@@ -4792,7 +4719,7 @@
           <a:lstStyle/>
           <a:p>
             <a:r>
-              <a:rPr lang="en-US">
+              <a:rPr lang="en-US" dirty="0">
                 <a:solidFill>
                   <a:schemeClr val="accent1">
                     <a:lumMod val="75000"/>
@@ -4804,7 +4731,7 @@
           </a:p>
           <a:p>
             <a:r>
-              <a:rPr lang="en-US">
+              <a:rPr lang="en-US" dirty="0">
                 <a:solidFill>
                   <a:schemeClr val="accent1">
                     <a:lumMod val="75000"/>
@@ -4845,14 +4772,60 @@
         </p:blipFill>
         <p:spPr>
           <a:xfrm>
-            <a:off x="0" y="1844824"/>
-            <a:ext cx="8856984" cy="4713592"/>
+            <a:off x="0" y="2348880"/>
+            <a:ext cx="8856984" cy="4209536"/>
           </a:xfrm>
           <a:prstGeom prst="rect">
             <a:avLst/>
           </a:prstGeom>
         </p:spPr>
       </p:pic>
+      <p:sp>
+        <p:nvSpPr>
+          <p:cNvPr id="2" name="TextBox 1"/>
+          <p:cNvSpPr txBox="1"/>
+          <p:nvPr/>
+        </p:nvSpPr>
+        <p:spPr>
+          <a:xfrm>
+            <a:off x="576064" y="332656"/>
+            <a:ext cx="8280920" cy="584775"/>
+          </a:xfrm>
+          <a:prstGeom prst="rect">
+            <a:avLst/>
+          </a:prstGeom>
+          <a:noFill/>
+        </p:spPr>
+        <p:txBody>
+          <a:bodyPr wrap="square" rtlCol="0">
+            <a:spAutoFit/>
+          </a:bodyPr>
+          <a:lstStyle/>
+          <a:p>
+            <a:r>
+              <a:rPr lang="en-IN" sz="3200" b="1" dirty="0">
+                <a:solidFill>
+                  <a:schemeClr val="accent1">
+                    <a:lumMod val="75000"/>
+                  </a:schemeClr>
+                </a:solidFill>
+              </a:rPr>
+              <a:t>SEQUENCE DIAGRAM</a:t>
+            </a:r>
+            <a:r>
+              <a:rPr lang="en-IN" sz="3200" b="1" dirty="0" smtClean="0">
+                <a:solidFill>
+                  <a:schemeClr val="accent1">
+                    <a:lumMod val="75000"/>
+                  </a:schemeClr>
+                </a:solidFill>
+              </a:rPr>
+              <a:t>: Print/Email Summary</a:t>
+            </a:r>
+            <a:endParaRPr lang="en-IN" sz="3200" dirty="0"/>
+          </a:p>
+        </p:txBody>
+      </p:sp>
     </p:spTree>
     <p:extLst>
       <p:ext uri="{BB962C8B-B14F-4D97-AF65-F5344CB8AC3E}">
